--- a/Graphics Parts and Terms.pptx
+++ b/Graphics Parts and Terms.pptx
@@ -7,12 +7,13 @@
   <p:sldIdLst>
     <p:sldId id="264" r:id="rId2"/>
     <p:sldId id="265" r:id="rId3"/>
-    <p:sldId id="256" r:id="rId4"/>
-    <p:sldId id="258" r:id="rId5"/>
-    <p:sldId id="259" r:id="rId6"/>
-    <p:sldId id="261" r:id="rId7"/>
-    <p:sldId id="260" r:id="rId8"/>
-    <p:sldId id="263" r:id="rId9"/>
+    <p:sldId id="267" r:id="rId4"/>
+    <p:sldId id="256" r:id="rId5"/>
+    <p:sldId id="258" r:id="rId6"/>
+    <p:sldId id="259" r:id="rId7"/>
+    <p:sldId id="261" r:id="rId8"/>
+    <p:sldId id="260" r:id="rId9"/>
+    <p:sldId id="263" r:id="rId10"/>
   </p:sldIdLst>
   <p:sldSz cx="12192000" cy="6858000"/>
   <p:notesSz cx="6858000" cy="9144000"/>
@@ -266,7 +267,7 @@
           <a:p>
             <a:fld id="{06ADBE60-9DBF-4AEC-B933-FFCA020856EA}" type="datetimeFigureOut">
               <a:rPr lang="en-US" smtClean="0"/>
-              <a:t>1/12/2021</a:t>
+              <a:t>2/2/2021</a:t>
             </a:fld>
             <a:endParaRPr lang="en-US"/>
           </a:p>
@@ -464,7 +465,7 @@
           <a:p>
             <a:fld id="{06ADBE60-9DBF-4AEC-B933-FFCA020856EA}" type="datetimeFigureOut">
               <a:rPr lang="en-US" smtClean="0"/>
-              <a:t>1/12/2021</a:t>
+              <a:t>2/2/2021</a:t>
             </a:fld>
             <a:endParaRPr lang="en-US"/>
           </a:p>
@@ -672,7 +673,7 @@
           <a:p>
             <a:fld id="{06ADBE60-9DBF-4AEC-B933-FFCA020856EA}" type="datetimeFigureOut">
               <a:rPr lang="en-US" smtClean="0"/>
-              <a:t>1/12/2021</a:t>
+              <a:t>2/2/2021</a:t>
             </a:fld>
             <a:endParaRPr lang="en-US"/>
           </a:p>
@@ -870,7 +871,7 @@
           <a:p>
             <a:fld id="{06ADBE60-9DBF-4AEC-B933-FFCA020856EA}" type="datetimeFigureOut">
               <a:rPr lang="en-US" smtClean="0"/>
-              <a:t>1/12/2021</a:t>
+              <a:t>2/2/2021</a:t>
             </a:fld>
             <a:endParaRPr lang="en-US"/>
           </a:p>
@@ -1145,7 +1146,7 @@
           <a:p>
             <a:fld id="{06ADBE60-9DBF-4AEC-B933-FFCA020856EA}" type="datetimeFigureOut">
               <a:rPr lang="en-US" smtClean="0"/>
-              <a:t>1/12/2021</a:t>
+              <a:t>2/2/2021</a:t>
             </a:fld>
             <a:endParaRPr lang="en-US"/>
           </a:p>
@@ -1410,7 +1411,7 @@
           <a:p>
             <a:fld id="{06ADBE60-9DBF-4AEC-B933-FFCA020856EA}" type="datetimeFigureOut">
               <a:rPr lang="en-US" smtClean="0"/>
-              <a:t>1/12/2021</a:t>
+              <a:t>2/2/2021</a:t>
             </a:fld>
             <a:endParaRPr lang="en-US"/>
           </a:p>
@@ -1822,7 +1823,7 @@
           <a:p>
             <a:fld id="{06ADBE60-9DBF-4AEC-B933-FFCA020856EA}" type="datetimeFigureOut">
               <a:rPr lang="en-US" smtClean="0"/>
-              <a:t>1/12/2021</a:t>
+              <a:t>2/2/2021</a:t>
             </a:fld>
             <a:endParaRPr lang="en-US"/>
           </a:p>
@@ -1963,7 +1964,7 @@
           <a:p>
             <a:fld id="{06ADBE60-9DBF-4AEC-B933-FFCA020856EA}" type="datetimeFigureOut">
               <a:rPr lang="en-US" smtClean="0"/>
-              <a:t>1/12/2021</a:t>
+              <a:t>2/2/2021</a:t>
             </a:fld>
             <a:endParaRPr lang="en-US"/>
           </a:p>
@@ -2076,7 +2077,7 @@
           <a:p>
             <a:fld id="{06ADBE60-9DBF-4AEC-B933-FFCA020856EA}" type="datetimeFigureOut">
               <a:rPr lang="en-US" smtClean="0"/>
-              <a:t>1/12/2021</a:t>
+              <a:t>2/2/2021</a:t>
             </a:fld>
             <a:endParaRPr lang="en-US"/>
           </a:p>
@@ -2387,7 +2388,7 @@
           <a:p>
             <a:fld id="{06ADBE60-9DBF-4AEC-B933-FFCA020856EA}" type="datetimeFigureOut">
               <a:rPr lang="en-US" smtClean="0"/>
-              <a:t>1/12/2021</a:t>
+              <a:t>2/2/2021</a:t>
             </a:fld>
             <a:endParaRPr lang="en-US"/>
           </a:p>
@@ -2675,7 +2676,7 @@
           <a:p>
             <a:fld id="{06ADBE60-9DBF-4AEC-B933-FFCA020856EA}" type="datetimeFigureOut">
               <a:rPr lang="en-US" smtClean="0"/>
-              <a:t>1/12/2021</a:t>
+              <a:t>2/2/2021</a:t>
             </a:fld>
             <a:endParaRPr lang="en-US"/>
           </a:p>
@@ -2916,7 +2917,7 @@
           <a:p>
             <a:fld id="{06ADBE60-9DBF-4AEC-B933-FFCA020856EA}" type="datetimeFigureOut">
               <a:rPr lang="en-US" smtClean="0"/>
-              <a:t>1/12/2021</a:t>
+              <a:t>2/2/2021</a:t>
             </a:fld>
             <a:endParaRPr lang="en-US"/>
           </a:p>
@@ -3427,10 +3428,10 @@
       </p:grpSpPr>
       <p:sp>
         <p:nvSpPr>
-          <p:cNvPr id="76" name="Rectangle 75" hidden="1">
-            <a:extLst>
-              <a:ext uri="{FF2B5EF4-FFF2-40B4-BE49-F238E27FC236}">
-                <a16:creationId xmlns:a16="http://schemas.microsoft.com/office/drawing/2014/main" id="{981E1C58-77CF-43EC-B890-0FE2D629745B}"/>
+          <p:cNvPr id="84" name="Aside Frame">
+            <a:extLst>
+              <a:ext uri="{FF2B5EF4-FFF2-40B4-BE49-F238E27FC236}">
+                <a16:creationId xmlns:a16="http://schemas.microsoft.com/office/drawing/2014/main" id="{66420059-92B3-4573-9E30-DCB702C56925}"/>
               </a:ext>
             </a:extLst>
           </p:cNvPr>
@@ -3439,33 +3440,33 @@
         </p:nvSpPr>
         <p:spPr>
           <a:xfrm>
-            <a:off x="0" y="0"/>
-            <a:ext cx="12192000" cy="6858000"/>
+            <a:off x="415116" y="4262984"/>
+            <a:ext cx="2626474" cy="1127040"/>
           </a:xfrm>
-          <a:prstGeom prst="rect">
-            <a:avLst/>
+          <a:prstGeom prst="roundRect">
+            <a:avLst>
+              <a:gd name="adj" fmla="val 6100"/>
+            </a:avLst>
           </a:prstGeom>
           <a:solidFill>
-            <a:schemeClr val="bg1"/>
+            <a:schemeClr val="accent6">
+              <a:lumMod val="20000"/>
+              <a:lumOff val="80000"/>
+            </a:schemeClr>
           </a:solidFill>
-          <a:ln>
-            <a:noFill/>
-          </a:ln>
         </p:spPr>
         <p:style>
           <a:lnRef idx="2">
-            <a:schemeClr val="accent1">
-              <a:shade val="50000"/>
-            </a:schemeClr>
+            <a:schemeClr val="accent6"/>
           </a:lnRef>
           <a:fillRef idx="1">
-            <a:schemeClr val="accent1"/>
+            <a:schemeClr val="lt1"/>
           </a:fillRef>
           <a:effectRef idx="0">
-            <a:schemeClr val="accent1"/>
+            <a:schemeClr val="accent6"/>
           </a:effectRef>
           <a:fontRef idx="minor">
-            <a:schemeClr val="lt1"/>
+            <a:schemeClr val="dk1"/>
           </a:fontRef>
         </p:style>
         <p:txBody>
@@ -3477,6 +3478,426 @@
           </a:p>
         </p:txBody>
       </p:sp>
+      <p:grpSp>
+        <p:nvGrpSpPr>
+          <p:cNvPr id="8" name="Group 7" hidden="1">
+            <a:extLst>
+              <a:ext uri="{FF2B5EF4-FFF2-40B4-BE49-F238E27FC236}">
+                <a16:creationId xmlns:a16="http://schemas.microsoft.com/office/drawing/2014/main" id="{6D86DCF9-D76D-4A10-9EF9-AA8D6444CBC7}"/>
+              </a:ext>
+            </a:extLst>
+          </p:cNvPr>
+          <p:cNvGrpSpPr/>
+          <p:nvPr/>
+        </p:nvGrpSpPr>
+        <p:grpSpPr>
+          <a:xfrm>
+            <a:off x="-13842" y="0"/>
+            <a:ext cx="12205842" cy="6879530"/>
+            <a:chOff x="-13842" y="0"/>
+            <a:chExt cx="12205842" cy="6879530"/>
+          </a:xfrm>
+        </p:grpSpPr>
+        <p:sp>
+          <p:nvSpPr>
+            <p:cNvPr id="72" name="Rectangle 71">
+              <a:extLst>
+                <a:ext uri="{FF2B5EF4-FFF2-40B4-BE49-F238E27FC236}">
+                  <a16:creationId xmlns:a16="http://schemas.microsoft.com/office/drawing/2014/main" id="{1875A623-66C3-45DE-88B4-741544449E6E}"/>
+                </a:ext>
+              </a:extLst>
+            </p:cNvPr>
+            <p:cNvSpPr/>
+            <p:nvPr/>
+          </p:nvSpPr>
+          <p:spPr>
+            <a:xfrm>
+              <a:off x="10143129" y="5933963"/>
+              <a:ext cx="365760" cy="562475"/>
+            </a:xfrm>
+            <a:prstGeom prst="rect">
+              <a:avLst/>
+            </a:prstGeom>
+            <a:solidFill>
+              <a:srgbClr val="000000">
+                <a:alpha val="50196"/>
+              </a:srgbClr>
+            </a:solidFill>
+            <a:ln>
+              <a:solidFill>
+                <a:schemeClr val="tx1"/>
+              </a:solidFill>
+            </a:ln>
+          </p:spPr>
+          <p:style>
+            <a:lnRef idx="2">
+              <a:schemeClr val="accent6"/>
+            </a:lnRef>
+            <a:fillRef idx="1">
+              <a:schemeClr val="lt1"/>
+            </a:fillRef>
+            <a:effectRef idx="0">
+              <a:schemeClr val="accent6"/>
+            </a:effectRef>
+            <a:fontRef idx="minor">
+              <a:schemeClr val="dk1"/>
+            </a:fontRef>
+          </p:style>
+          <p:txBody>
+            <a:bodyPr rtlCol="0" anchor="ctr"/>
+            <a:lstStyle/>
+            <a:p>
+              <a:pPr algn="ctr"/>
+              <a:endParaRPr lang="en-US" dirty="0"/>
+            </a:p>
+          </p:txBody>
+        </p:sp>
+        <p:grpSp>
+          <p:nvGrpSpPr>
+            <p:cNvPr id="4" name="Group 3">
+              <a:extLst>
+                <a:ext uri="{FF2B5EF4-FFF2-40B4-BE49-F238E27FC236}">
+                  <a16:creationId xmlns:a16="http://schemas.microsoft.com/office/drawing/2014/main" id="{81A93A63-9578-48BB-B9EC-47BB812109AF}"/>
+                </a:ext>
+              </a:extLst>
+            </p:cNvPr>
+            <p:cNvGrpSpPr/>
+            <p:nvPr/>
+          </p:nvGrpSpPr>
+          <p:grpSpPr>
+            <a:xfrm>
+              <a:off x="-13842" y="0"/>
+              <a:ext cx="12205842" cy="6879530"/>
+              <a:chOff x="-6921" y="-5526"/>
+              <a:chExt cx="12205842" cy="6879530"/>
+            </a:xfrm>
+          </p:grpSpPr>
+          <p:sp>
+            <p:nvSpPr>
+              <p:cNvPr id="3" name="Rectangle 2">
+                <a:extLst>
+                  <a:ext uri="{FF2B5EF4-FFF2-40B4-BE49-F238E27FC236}">
+                    <a16:creationId xmlns:a16="http://schemas.microsoft.com/office/drawing/2014/main" id="{E7B07773-FCB3-4A6F-BF61-54E0BA5AAFCF}"/>
+                  </a:ext>
+                </a:extLst>
+              </p:cNvPr>
+              <p:cNvSpPr/>
+              <p:nvPr/>
+            </p:nvSpPr>
+            <p:spPr>
+              <a:xfrm>
+                <a:off x="-6921" y="-5526"/>
+                <a:ext cx="12198921" cy="365760"/>
+              </a:xfrm>
+              <a:prstGeom prst="rect">
+                <a:avLst/>
+              </a:prstGeom>
+              <a:solidFill>
+                <a:srgbClr val="000000">
+                  <a:alpha val="50196"/>
+                </a:srgbClr>
+              </a:solidFill>
+              <a:ln>
+                <a:solidFill>
+                  <a:schemeClr val="tx1"/>
+                </a:solidFill>
+              </a:ln>
+            </p:spPr>
+            <p:style>
+              <a:lnRef idx="2">
+                <a:schemeClr val="accent6"/>
+              </a:lnRef>
+              <a:fillRef idx="1">
+                <a:schemeClr val="lt1"/>
+              </a:fillRef>
+              <a:effectRef idx="0">
+                <a:schemeClr val="accent6"/>
+              </a:effectRef>
+              <a:fontRef idx="minor">
+                <a:schemeClr val="dk1"/>
+              </a:fontRef>
+            </p:style>
+            <p:txBody>
+              <a:bodyPr rtlCol="0" anchor="ctr"/>
+              <a:lstStyle/>
+              <a:p>
+                <a:pPr algn="ctr"/>
+                <a:endParaRPr lang="en-US"/>
+              </a:p>
+            </p:txBody>
+          </p:sp>
+          <p:sp>
+            <p:nvSpPr>
+              <p:cNvPr id="39" name="Rectangle 38">
+                <a:extLst>
+                  <a:ext uri="{FF2B5EF4-FFF2-40B4-BE49-F238E27FC236}">
+                    <a16:creationId xmlns:a16="http://schemas.microsoft.com/office/drawing/2014/main" id="{8676D93C-11C5-46BF-BDF0-AF21E0600F9F}"/>
+                  </a:ext>
+                </a:extLst>
+              </p:cNvPr>
+              <p:cNvSpPr/>
+              <p:nvPr/>
+            </p:nvSpPr>
+            <p:spPr>
+              <a:xfrm>
+                <a:off x="0" y="356110"/>
+                <a:ext cx="365760" cy="6509075"/>
+              </a:xfrm>
+              <a:prstGeom prst="rect">
+                <a:avLst/>
+              </a:prstGeom>
+              <a:solidFill>
+                <a:srgbClr val="000000">
+                  <a:alpha val="50196"/>
+                </a:srgbClr>
+              </a:solidFill>
+              <a:ln>
+                <a:solidFill>
+                  <a:schemeClr val="tx1"/>
+                </a:solidFill>
+              </a:ln>
+            </p:spPr>
+            <p:style>
+              <a:lnRef idx="2">
+                <a:schemeClr val="accent6"/>
+              </a:lnRef>
+              <a:fillRef idx="1">
+                <a:schemeClr val="lt1"/>
+              </a:fillRef>
+              <a:effectRef idx="0">
+                <a:schemeClr val="accent6"/>
+              </a:effectRef>
+              <a:fontRef idx="minor">
+                <a:schemeClr val="dk1"/>
+              </a:fontRef>
+            </p:style>
+            <p:txBody>
+              <a:bodyPr rtlCol="0" anchor="ctr"/>
+              <a:lstStyle/>
+              <a:p>
+                <a:pPr algn="ctr"/>
+                <a:endParaRPr lang="en-US"/>
+              </a:p>
+            </p:txBody>
+          </p:sp>
+          <p:sp>
+            <p:nvSpPr>
+              <p:cNvPr id="55" name="Rectangle 54">
+                <a:extLst>
+                  <a:ext uri="{FF2B5EF4-FFF2-40B4-BE49-F238E27FC236}">
+                    <a16:creationId xmlns:a16="http://schemas.microsoft.com/office/drawing/2014/main" id="{D78A264F-182A-495C-8F10-80DA28A27012}"/>
+                  </a:ext>
+                </a:extLst>
+              </p:cNvPr>
+              <p:cNvSpPr/>
+              <p:nvPr/>
+            </p:nvSpPr>
+            <p:spPr>
+              <a:xfrm>
+                <a:off x="11833161" y="356111"/>
+                <a:ext cx="365760" cy="6517893"/>
+              </a:xfrm>
+              <a:prstGeom prst="rect">
+                <a:avLst/>
+              </a:prstGeom>
+              <a:solidFill>
+                <a:srgbClr val="000000">
+                  <a:alpha val="50196"/>
+                </a:srgbClr>
+              </a:solidFill>
+              <a:ln>
+                <a:solidFill>
+                  <a:schemeClr val="tx1"/>
+                </a:solidFill>
+              </a:ln>
+            </p:spPr>
+            <p:style>
+              <a:lnRef idx="2">
+                <a:schemeClr val="accent6"/>
+              </a:lnRef>
+              <a:fillRef idx="1">
+                <a:schemeClr val="lt1"/>
+              </a:fillRef>
+              <a:effectRef idx="0">
+                <a:schemeClr val="accent6"/>
+              </a:effectRef>
+              <a:fontRef idx="minor">
+                <a:schemeClr val="dk1"/>
+              </a:fontRef>
+            </p:style>
+            <p:txBody>
+              <a:bodyPr rtlCol="0" anchor="ctr"/>
+              <a:lstStyle/>
+              <a:p>
+                <a:pPr algn="ctr"/>
+                <a:endParaRPr lang="en-US" dirty="0"/>
+              </a:p>
+            </p:txBody>
+          </p:sp>
+          <p:sp>
+            <p:nvSpPr>
+              <p:cNvPr id="62" name="Rectangle 61">
+                <a:extLst>
+                  <a:ext uri="{FF2B5EF4-FFF2-40B4-BE49-F238E27FC236}">
+                    <a16:creationId xmlns:a16="http://schemas.microsoft.com/office/drawing/2014/main" id="{3CEF5411-2EF6-4574-96EB-7A287AE300BD}"/>
+                  </a:ext>
+                </a:extLst>
+              </p:cNvPr>
+              <p:cNvSpPr/>
+              <p:nvPr/>
+            </p:nvSpPr>
+            <p:spPr>
+              <a:xfrm>
+                <a:off x="359277" y="6497894"/>
+                <a:ext cx="11473884" cy="365760"/>
+              </a:xfrm>
+              <a:prstGeom prst="rect">
+                <a:avLst/>
+              </a:prstGeom>
+              <a:solidFill>
+                <a:srgbClr val="000000">
+                  <a:alpha val="50196"/>
+                </a:srgbClr>
+              </a:solidFill>
+              <a:ln>
+                <a:solidFill>
+                  <a:schemeClr val="tx1"/>
+                </a:solidFill>
+              </a:ln>
+            </p:spPr>
+            <p:style>
+              <a:lnRef idx="2">
+                <a:schemeClr val="accent6"/>
+              </a:lnRef>
+              <a:fillRef idx="1">
+                <a:schemeClr val="lt1"/>
+              </a:fillRef>
+              <a:effectRef idx="0">
+                <a:schemeClr val="accent6"/>
+              </a:effectRef>
+              <a:fontRef idx="minor">
+                <a:schemeClr val="dk1"/>
+              </a:fontRef>
+            </p:style>
+            <p:txBody>
+              <a:bodyPr rtlCol="0" anchor="ctr"/>
+              <a:lstStyle/>
+              <a:p>
+                <a:pPr algn="ctr"/>
+                <a:endParaRPr lang="en-US"/>
+              </a:p>
+            </p:txBody>
+          </p:sp>
+          <p:sp>
+            <p:nvSpPr>
+              <p:cNvPr id="63" name="Rectangle 62">
+                <a:extLst>
+                  <a:ext uri="{FF2B5EF4-FFF2-40B4-BE49-F238E27FC236}">
+                    <a16:creationId xmlns:a16="http://schemas.microsoft.com/office/drawing/2014/main" id="{BD2075C4-3461-4F3D-AE45-F58765C8EFBC}"/>
+                  </a:ext>
+                </a:extLst>
+              </p:cNvPr>
+              <p:cNvSpPr/>
+              <p:nvPr/>
+            </p:nvSpPr>
+            <p:spPr>
+              <a:xfrm>
+                <a:off x="365761" y="633324"/>
+                <a:ext cx="11474322" cy="365760"/>
+              </a:xfrm>
+              <a:prstGeom prst="rect">
+                <a:avLst/>
+              </a:prstGeom>
+              <a:solidFill>
+                <a:srgbClr val="000000">
+                  <a:alpha val="50196"/>
+                </a:srgbClr>
+              </a:solidFill>
+              <a:ln>
+                <a:solidFill>
+                  <a:schemeClr val="tx1"/>
+                </a:solidFill>
+              </a:ln>
+            </p:spPr>
+            <p:style>
+              <a:lnRef idx="2">
+                <a:schemeClr val="accent6"/>
+              </a:lnRef>
+              <a:fillRef idx="1">
+                <a:schemeClr val="lt1"/>
+              </a:fillRef>
+              <a:effectRef idx="0">
+                <a:schemeClr val="accent6"/>
+              </a:effectRef>
+              <a:fontRef idx="minor">
+                <a:schemeClr val="dk1"/>
+              </a:fontRef>
+            </p:style>
+            <p:txBody>
+              <a:bodyPr rtlCol="0" anchor="ctr"/>
+              <a:lstStyle/>
+              <a:p>
+                <a:pPr algn="ctr"/>
+                <a:endParaRPr lang="en-US"/>
+              </a:p>
+            </p:txBody>
+          </p:sp>
+          <p:sp>
+            <p:nvSpPr>
+              <p:cNvPr id="64" name="Rectangle 63">
+                <a:extLst>
+                  <a:ext uri="{FF2B5EF4-FFF2-40B4-BE49-F238E27FC236}">
+                    <a16:creationId xmlns:a16="http://schemas.microsoft.com/office/drawing/2014/main" id="{5B36443F-E126-4616-B690-F23C7B6C03EA}"/>
+                  </a:ext>
+                </a:extLst>
+              </p:cNvPr>
+              <p:cNvSpPr/>
+              <p:nvPr/>
+            </p:nvSpPr>
+            <p:spPr>
+              <a:xfrm>
+                <a:off x="359277" y="5923357"/>
+                <a:ext cx="9788189" cy="562475"/>
+              </a:xfrm>
+              <a:prstGeom prst="rect">
+                <a:avLst/>
+              </a:prstGeom>
+              <a:solidFill>
+                <a:srgbClr val="000000">
+                  <a:alpha val="23137"/>
+                </a:srgbClr>
+              </a:solidFill>
+              <a:ln>
+                <a:solidFill>
+                  <a:schemeClr val="tx1"/>
+                </a:solidFill>
+              </a:ln>
+            </p:spPr>
+            <p:style>
+              <a:lnRef idx="2">
+                <a:schemeClr val="accent6"/>
+              </a:lnRef>
+              <a:fillRef idx="1">
+                <a:schemeClr val="lt1"/>
+              </a:fillRef>
+              <a:effectRef idx="0">
+                <a:schemeClr val="accent6"/>
+              </a:effectRef>
+              <a:fontRef idx="minor">
+                <a:schemeClr val="dk1"/>
+              </a:fontRef>
+            </p:style>
+            <p:txBody>
+              <a:bodyPr rtlCol="0" anchor="ctr"/>
+              <a:lstStyle/>
+              <a:p>
+                <a:pPr algn="ctr"/>
+                <a:endParaRPr lang="en-US"/>
+              </a:p>
+            </p:txBody>
+          </p:sp>
+        </p:grpSp>
+      </p:grpSp>
       <p:cxnSp>
         <p:nvCxnSpPr>
           <p:cNvPr id="5" name="Straight Connector 4">
@@ -3963,7 +4384,7 @@
             </p:nvSpPr>
             <p:spPr>
               <a:xfrm>
-                <a:off x="3493575" y="1175366"/>
+                <a:off x="3775589" y="1175366"/>
                 <a:ext cx="4640822" cy="584775"/>
               </a:xfrm>
               <a:prstGeom prst="rect">
@@ -4046,7 +4467,7 @@
             </p:nvSpPr>
             <p:spPr>
               <a:xfrm>
-                <a:off x="3493575" y="1175366"/>
+                <a:off x="3775589" y="1175366"/>
                 <a:ext cx="4640822" cy="584775"/>
               </a:xfrm>
               <a:prstGeom prst="rect">
@@ -4088,8 +4509,1198 @@
           </p:cNvPicPr>
           <p:nvPr/>
         </p:nvPicPr>
+        <p:blipFill rotWithShape="1">
+          <a:blip r:embed="rId3"/>
+          <a:srcRect b="6200"/>
+          <a:stretch/>
+        </p:blipFill>
+        <p:spPr>
+          <a:xfrm>
+            <a:off x="10511473" y="5933887"/>
+            <a:ext cx="1321688" cy="562475"/>
+          </a:xfrm>
+          <a:prstGeom prst="rect">
+            <a:avLst/>
+          </a:prstGeom>
+        </p:spPr>
+      </p:pic>
+      <p:cxnSp>
+        <p:nvCxnSpPr>
+          <p:cNvPr id="80" name="Straight Connector 79">
+            <a:extLst>
+              <a:ext uri="{FF2B5EF4-FFF2-40B4-BE49-F238E27FC236}">
+                <a16:creationId xmlns:a16="http://schemas.microsoft.com/office/drawing/2014/main" id="{6E86C039-173E-446C-A38C-CDF5334B9C04}"/>
+              </a:ext>
+            </a:extLst>
+          </p:cNvPr>
+          <p:cNvCxnSpPr>
+            <a:cxnSpLocks/>
+          </p:cNvCxnSpPr>
+          <p:nvPr/>
+        </p:nvCxnSpPr>
+        <p:spPr>
+          <a:xfrm flipV="1">
+            <a:off x="505210" y="2600323"/>
+            <a:ext cx="2398330" cy="19052"/>
+          </a:xfrm>
+          <a:prstGeom prst="line">
+            <a:avLst/>
+          </a:prstGeom>
+          <a:ln cap="rnd"/>
+        </p:spPr>
+        <p:style>
+          <a:lnRef idx="3">
+            <a:schemeClr val="accent6"/>
+          </a:lnRef>
+          <a:fillRef idx="0">
+            <a:schemeClr val="accent6"/>
+          </a:fillRef>
+          <a:effectRef idx="2">
+            <a:schemeClr val="accent6"/>
+          </a:effectRef>
+          <a:fontRef idx="minor">
+            <a:schemeClr val="tx1"/>
+          </a:fontRef>
+        </p:style>
+      </p:cxnSp>
+      <p:sp>
+        <p:nvSpPr>
+          <p:cNvPr id="85" name="TextBox 84">
+            <a:extLst>
+              <a:ext uri="{FF2B5EF4-FFF2-40B4-BE49-F238E27FC236}">
+                <a16:creationId xmlns:a16="http://schemas.microsoft.com/office/drawing/2014/main" id="{98F83829-067B-43E4-B7EC-DB84EB932513}"/>
+              </a:ext>
+            </a:extLst>
+          </p:cNvPr>
+          <p:cNvSpPr txBox="1"/>
+          <p:nvPr/>
+        </p:nvSpPr>
+        <p:spPr>
+          <a:xfrm>
+            <a:off x="419486" y="2230991"/>
+            <a:ext cx="760336" cy="369332"/>
+          </a:xfrm>
+          <a:prstGeom prst="rect">
+            <a:avLst/>
+          </a:prstGeom>
+          <a:noFill/>
+        </p:spPr>
+        <p:txBody>
+          <a:bodyPr wrap="none" rtlCol="0">
+            <a:spAutoFit/>
+          </a:bodyPr>
+          <a:lstStyle/>
+          <a:p>
+            <a:r>
+              <a:rPr lang="en-US" dirty="0">
+                <a:solidFill>
+                  <a:schemeClr val="accent6">
+                    <a:lumMod val="75000"/>
+                  </a:schemeClr>
+                </a:solidFill>
+              </a:rPr>
+              <a:t>Water</a:t>
+            </a:r>
+          </a:p>
+        </p:txBody>
+      </p:sp>
+      <p:sp>
+        <p:nvSpPr>
+          <p:cNvPr id="86" name="TextBox 85">
+            <a:extLst>
+              <a:ext uri="{FF2B5EF4-FFF2-40B4-BE49-F238E27FC236}">
+                <a16:creationId xmlns:a16="http://schemas.microsoft.com/office/drawing/2014/main" id="{579F1A19-58C0-4AFB-89B5-1222410EC2F2}"/>
+              </a:ext>
+            </a:extLst>
+          </p:cNvPr>
+          <p:cNvSpPr txBox="1"/>
+          <p:nvPr/>
+        </p:nvSpPr>
+        <p:spPr>
+          <a:xfrm>
+            <a:off x="352356" y="2736522"/>
+            <a:ext cx="2700838" cy="1200329"/>
+          </a:xfrm>
+          <a:prstGeom prst="rect">
+            <a:avLst/>
+          </a:prstGeom>
+          <a:noFill/>
+        </p:spPr>
+        <p:txBody>
+          <a:bodyPr wrap="square" rtlCol="0">
+            <a:spAutoFit/>
+          </a:bodyPr>
+          <a:lstStyle/>
+          <a:p>
+            <a:r>
+              <a:rPr lang="en-US" dirty="0"/>
+              <a:t>A little more than a  tablespoon of water contains about a mole of water molecules.</a:t>
+            </a:r>
+          </a:p>
+        </p:txBody>
+      </p:sp>
+      <p:sp>
+        <p:nvSpPr>
+          <p:cNvPr id="9" name="TextBox 8">
+            <a:extLst>
+              <a:ext uri="{FF2B5EF4-FFF2-40B4-BE49-F238E27FC236}">
+                <a16:creationId xmlns:a16="http://schemas.microsoft.com/office/drawing/2014/main" id="{D8BB7934-2920-4713-88FD-16635FF5EAE5}"/>
+              </a:ext>
+            </a:extLst>
+          </p:cNvPr>
+          <p:cNvSpPr txBox="1"/>
+          <p:nvPr/>
+        </p:nvSpPr>
+        <p:spPr>
+          <a:xfrm>
+            <a:off x="3712026" y="1779489"/>
+            <a:ext cx="4767948" cy="492443"/>
+          </a:xfrm>
+          <a:prstGeom prst="rect">
+            <a:avLst/>
+          </a:prstGeom>
+          <a:noFill/>
+        </p:spPr>
+        <p:txBody>
+          <a:bodyPr wrap="square" rtlCol="0">
+            <a:spAutoFit/>
+          </a:bodyPr>
+          <a:lstStyle/>
+          <a:p>
+            <a:r>
+              <a:rPr lang="en-US" sz="2600" dirty="0"/>
+              <a:t>602,214,076,000,000,000,000,000</a:t>
+            </a:r>
+          </a:p>
+        </p:txBody>
+      </p:sp>
+      <p:sp>
+        <p:nvSpPr>
+          <p:cNvPr id="44" name="TextBox 43">
+            <a:extLst>
+              <a:ext uri="{FF2B5EF4-FFF2-40B4-BE49-F238E27FC236}">
+                <a16:creationId xmlns:a16="http://schemas.microsoft.com/office/drawing/2014/main" id="{6F9E3E96-B80A-40BC-8F8C-C063311EAEEC}"/>
+              </a:ext>
+            </a:extLst>
+          </p:cNvPr>
+          <p:cNvSpPr txBox="1"/>
+          <p:nvPr/>
+        </p:nvSpPr>
+        <p:spPr>
+          <a:xfrm>
+            <a:off x="419486" y="1590487"/>
+            <a:ext cx="2547984" cy="646331"/>
+          </a:xfrm>
+          <a:prstGeom prst="rect">
+            <a:avLst/>
+          </a:prstGeom>
+          <a:noFill/>
+        </p:spPr>
+        <p:txBody>
+          <a:bodyPr wrap="square" rtlCol="0">
+            <a:spAutoFit/>
+          </a:bodyPr>
+          <a:lstStyle/>
+          <a:p>
+            <a:r>
+              <a:rPr lang="en-US" dirty="0"/>
+              <a:t>The number of particles in a mole.</a:t>
+            </a:r>
+          </a:p>
+        </p:txBody>
+      </p:sp>
+      <p:sp>
+        <p:nvSpPr>
+          <p:cNvPr id="45" name="TextBox 44">
+            <a:extLst>
+              <a:ext uri="{FF2B5EF4-FFF2-40B4-BE49-F238E27FC236}">
+                <a16:creationId xmlns:a16="http://schemas.microsoft.com/office/drawing/2014/main" id="{538858C8-5046-4339-82DC-077367604AE1}"/>
+              </a:ext>
+            </a:extLst>
+          </p:cNvPr>
+          <p:cNvSpPr txBox="1"/>
+          <p:nvPr/>
+        </p:nvSpPr>
+        <p:spPr>
+          <a:xfrm>
+            <a:off x="415116" y="4273334"/>
+            <a:ext cx="2619029" cy="1169551"/>
+          </a:xfrm>
+          <a:prstGeom prst="rect">
+            <a:avLst/>
+          </a:prstGeom>
+          <a:noFill/>
+        </p:spPr>
+        <p:txBody>
+          <a:bodyPr wrap="square" rtlCol="0">
+            <a:spAutoFit/>
+          </a:bodyPr>
+          <a:lstStyle/>
+          <a:p>
+            <a:r>
+              <a:rPr lang="en-US" sz="1400" dirty="0"/>
+              <a:t>TABLESPOON DERIVATION</a:t>
+            </a:r>
+          </a:p>
+          <a:p>
+            <a:r>
+              <a:rPr lang="en-US" sz="1400" dirty="0"/>
+              <a:t>18.0153 g = 1 mole water</a:t>
+            </a:r>
+          </a:p>
+          <a:p>
+            <a:r>
+              <a:rPr lang="en-US" sz="1400" dirty="0"/>
+              <a:t>~236 g/cup of water</a:t>
+            </a:r>
+          </a:p>
+          <a:p>
+            <a:r>
+              <a:rPr lang="en-US" sz="1400" dirty="0"/>
+              <a:t>236/13=18.15</a:t>
+            </a:r>
+          </a:p>
+          <a:p>
+            <a:r>
+              <a:rPr lang="en-US" sz="1400" dirty="0"/>
+              <a:t>1/13 cup=1.2 Tbsp</a:t>
+            </a:r>
+          </a:p>
+        </p:txBody>
+      </p:sp>
+      <p:grpSp>
+        <p:nvGrpSpPr>
+          <p:cNvPr id="10" name="Group 9">
+            <a:extLst>
+              <a:ext uri="{FF2B5EF4-FFF2-40B4-BE49-F238E27FC236}">
+                <a16:creationId xmlns:a16="http://schemas.microsoft.com/office/drawing/2014/main" id="{B77C23C5-8E31-4BDD-81B2-3782C3B61840}"/>
+              </a:ext>
+            </a:extLst>
+          </p:cNvPr>
+          <p:cNvGrpSpPr/>
+          <p:nvPr/>
+        </p:nvGrpSpPr>
+        <p:grpSpPr>
+          <a:xfrm>
+            <a:off x="9252433" y="1524842"/>
+            <a:ext cx="2552354" cy="3860426"/>
+            <a:chOff x="9252433" y="1032082"/>
+            <a:chExt cx="2552354" cy="3844222"/>
+          </a:xfrm>
+        </p:grpSpPr>
+        <p:sp>
+          <p:nvSpPr>
+            <p:cNvPr id="53" name="TextBox 52">
+              <a:extLst>
+                <a:ext uri="{FF2B5EF4-FFF2-40B4-BE49-F238E27FC236}">
+                  <a16:creationId xmlns:a16="http://schemas.microsoft.com/office/drawing/2014/main" id="{A9167BC8-543B-4A2B-A739-3F5D2E788F00}"/>
+                </a:ext>
+              </a:extLst>
+            </p:cNvPr>
+            <p:cNvSpPr txBox="1"/>
+            <p:nvPr/>
+          </p:nvSpPr>
+          <p:spPr>
+            <a:xfrm>
+              <a:off x="9666324" y="2922971"/>
+              <a:ext cx="1760097" cy="307777"/>
+            </a:xfrm>
+            <a:prstGeom prst="rect">
+              <a:avLst/>
+            </a:prstGeom>
+            <a:noFill/>
+          </p:spPr>
+          <p:txBody>
+            <a:bodyPr wrap="none" rtlCol="0">
+              <a:spAutoFit/>
+            </a:bodyPr>
+            <a:lstStyle/>
+            <a:p>
+              <a:r>
+                <a:rPr lang="en-US" sz="1400" dirty="0"/>
+                <a:t>AMADEO AVOGADRO</a:t>
+              </a:r>
+            </a:p>
+          </p:txBody>
+        </p:sp>
+        <p:sp>
+          <p:nvSpPr>
+            <p:cNvPr id="79" name="TextBox 78">
+              <a:extLst>
+                <a:ext uri="{FF2B5EF4-FFF2-40B4-BE49-F238E27FC236}">
+                  <a16:creationId xmlns:a16="http://schemas.microsoft.com/office/drawing/2014/main" id="{9A8A88B3-A8E9-463B-9F36-B40BDE35CCC3}"/>
+                </a:ext>
+              </a:extLst>
+            </p:cNvPr>
+            <p:cNvSpPr txBox="1"/>
+            <p:nvPr/>
+          </p:nvSpPr>
+          <p:spPr>
+            <a:xfrm>
+              <a:off x="9252433" y="3220391"/>
+              <a:ext cx="2547984" cy="1384995"/>
+            </a:xfrm>
+            <a:prstGeom prst="rect">
+              <a:avLst/>
+            </a:prstGeom>
+            <a:noFill/>
+          </p:spPr>
+          <p:txBody>
+            <a:bodyPr wrap="square" rtlCol="0">
+              <a:spAutoFit/>
+            </a:bodyPr>
+            <a:lstStyle/>
+            <a:p>
+              <a:r>
+                <a:rPr lang="en-US" sz="1400" dirty="0"/>
+                <a:t>Amedeo Carlo Avogadro</a:t>
+              </a:r>
+            </a:p>
+            <a:p>
+              <a:r>
+                <a:rPr lang="en-US" sz="1400" dirty="0"/>
+                <a:t>(1776-1856). The constant is named after Avogadro, even though he did not discover it. Avogadro’s scientific contributions focused on gases.</a:t>
+              </a:r>
+            </a:p>
+          </p:txBody>
+        </p:sp>
+        <p:sp>
+          <p:nvSpPr>
+            <p:cNvPr id="2" name="Aside Frame">
+              <a:extLst>
+                <a:ext uri="{FF2B5EF4-FFF2-40B4-BE49-F238E27FC236}">
+                  <a16:creationId xmlns:a16="http://schemas.microsoft.com/office/drawing/2014/main" id="{B27AB295-B5F9-4BCA-9F6A-15C3AA57BBEA}"/>
+                </a:ext>
+              </a:extLst>
+            </p:cNvPr>
+            <p:cNvSpPr/>
+            <p:nvPr/>
+          </p:nvSpPr>
+          <p:spPr>
+            <a:xfrm>
+              <a:off x="9256803" y="1175366"/>
+              <a:ext cx="2547984" cy="3700938"/>
+            </a:xfrm>
+            <a:prstGeom prst="roundRect">
+              <a:avLst>
+                <a:gd name="adj" fmla="val 6100"/>
+              </a:avLst>
+            </a:prstGeom>
+            <a:noFill/>
+          </p:spPr>
+          <p:style>
+            <a:lnRef idx="2">
+              <a:schemeClr val="accent6"/>
+            </a:lnRef>
+            <a:fillRef idx="1">
+              <a:schemeClr val="lt1"/>
+            </a:fillRef>
+            <a:effectRef idx="0">
+              <a:schemeClr val="accent6"/>
+            </a:effectRef>
+            <a:fontRef idx="minor">
+              <a:schemeClr val="dk1"/>
+            </a:fontRef>
+          </p:style>
+          <p:txBody>
+            <a:bodyPr rtlCol="0" anchor="ctr"/>
+            <a:lstStyle/>
+            <a:p>
+              <a:pPr algn="ctr"/>
+              <a:endParaRPr lang="en-US" dirty="0"/>
+            </a:p>
+          </p:txBody>
+        </p:sp>
+        <p:pic>
+          <p:nvPicPr>
+            <p:cNvPr id="7" name="Avagadro" descr="A portrait of a person&#10;&#10;Description automatically generated with medium confidence">
+              <a:extLst>
+                <a:ext uri="{FF2B5EF4-FFF2-40B4-BE49-F238E27FC236}">
+                  <a16:creationId xmlns:a16="http://schemas.microsoft.com/office/drawing/2014/main" id="{B74258CD-21D9-49CC-B695-8EE487A69109}"/>
+                </a:ext>
+              </a:extLst>
+            </p:cNvPr>
+            <p:cNvPicPr>
+              <a:picLocks noChangeAspect="1"/>
+            </p:cNvPicPr>
+            <p:nvPr/>
+          </p:nvPicPr>
+          <p:blipFill>
+            <a:blip r:embed="rId4">
+              <a:extLst>
+                <a:ext uri="{BEBA8EAE-BF5A-486C-A8C5-ECC9F3942E4B}">
+                  <a14:imgProps xmlns:a14="http://schemas.microsoft.com/office/drawing/2010/main">
+                    <a14:imgLayer r:embed="rId5">
+                      <a14:imgEffect>
+                        <a14:backgroundRemoval t="3571" b="97078" l="4118" r="96667">
+                          <a14:foregroundMark x1="58627" y1="25649" x2="56275" y2="43506"/>
+                          <a14:foregroundMark x1="50392" y1="17695" x2="60588" y2="22727"/>
+                          <a14:foregroundMark x1="67451" y1="34740" x2="57255" y2="36851"/>
+                          <a14:foregroundMark x1="56667" y1="62825" x2="68235" y2="86851"/>
+                          <a14:foregroundMark x1="32745" y1="95455" x2="64706" y2="94318"/>
+                          <a14:foregroundMark x1="64706" y1="94318" x2="64902" y2="94318"/>
+                          <a14:foregroundMark x1="56275" y1="95942" x2="45294" y2="95942"/>
+                          <a14:foregroundMark x1="48431" y1="97240" x2="48431" y2="97240"/>
+                          <a14:foregroundMark x1="19216" y1="57955" x2="13725" y2="31656"/>
+                          <a14:foregroundMark x1="13725" y1="31656" x2="31569" y2="9903"/>
+                          <a14:foregroundMark x1="31569" y1="9903" x2="62745" y2="6494"/>
+                          <a14:foregroundMark x1="62745" y1="6494" x2="82353" y2="28409"/>
+                          <a14:foregroundMark x1="82353" y1="28409" x2="84706" y2="48701"/>
+                          <a14:foregroundMark x1="87059" y1="52922" x2="79412" y2="74838"/>
+                          <a14:foregroundMark x1="10980" y1="62013" x2="10392" y2="49675"/>
+                          <a14:foregroundMark x1="4118" y1="46104" x2="4510" y2="53247"/>
+                          <a14:foregroundMark x1="93333" y1="57143" x2="88627" y2="41234"/>
+                          <a14:foregroundMark x1="96667" y1="46104" x2="96667" y2="51948"/>
+                          <a14:foregroundMark x1="50000" y1="3571" x2="50000" y2="3571"/>
+                        </a14:backgroundRemoval>
+                      </a14:imgEffect>
+                    </a14:imgLayer>
+                  </a14:imgProps>
+                </a:ext>
+                <a:ext uri="{28A0092B-C50C-407E-A947-70E740481C1C}">
+                  <a14:useLocalDpi xmlns:a14="http://schemas.microsoft.com/office/drawing/2010/main" val="0"/>
+                </a:ext>
+              </a:extLst>
+            </a:blip>
+            <a:stretch>
+              <a:fillRect/>
+            </a:stretch>
+          </p:blipFill>
+          <p:spPr>
+            <a:xfrm>
+              <a:off x="9757283" y="1032082"/>
+              <a:ext cx="1538044" cy="1857716"/>
+            </a:xfrm>
+            <a:prstGeom prst="rect">
+              <a:avLst/>
+            </a:prstGeom>
+          </p:spPr>
+        </p:pic>
+      </p:grpSp>
+      <p:pic>
+        <p:nvPicPr>
+          <p:cNvPr id="13" name="Picture 12" descr="A close - up of a drop of water&#10;&#10;Description automatically generated with medium confidence">
+            <a:extLst>
+              <a:ext uri="{FF2B5EF4-FFF2-40B4-BE49-F238E27FC236}">
+                <a16:creationId xmlns:a16="http://schemas.microsoft.com/office/drawing/2014/main" id="{A147D458-2AF4-4D20-8ED6-8644DC355C33}"/>
+              </a:ext>
+            </a:extLst>
+          </p:cNvPr>
+          <p:cNvPicPr>
+            <a:picLocks noChangeAspect="1"/>
+          </p:cNvPicPr>
+          <p:nvPr/>
+        </p:nvPicPr>
+        <p:blipFill rotWithShape="1">
+          <a:blip r:embed="rId6">
+            <a:extLst>
+              <a:ext uri="{28A0092B-C50C-407E-A947-70E740481C1C}">
+                <a14:useLocalDpi xmlns:a14="http://schemas.microsoft.com/office/drawing/2010/main" val="0"/>
+              </a:ext>
+            </a:extLst>
+          </a:blip>
+          <a:srcRect l="2895" r="3196"/>
+          <a:stretch/>
+        </p:blipFill>
+        <p:spPr>
+          <a:xfrm>
+            <a:off x="3745605" y="2369429"/>
+            <a:ext cx="4700790" cy="3337126"/>
+          </a:xfrm>
+          <a:prstGeom prst="rect">
+            <a:avLst/>
+          </a:prstGeom>
+        </p:spPr>
+      </p:pic>
+      <p:sp>
+        <p:nvSpPr>
+          <p:cNvPr id="42" name="Credits">
+            <a:extLst>
+              <a:ext uri="{FF2B5EF4-FFF2-40B4-BE49-F238E27FC236}">
+                <a16:creationId xmlns:a16="http://schemas.microsoft.com/office/drawing/2014/main" id="{F762B280-D951-4460-843E-DF32217B335D}"/>
+              </a:ext>
+            </a:extLst>
+          </p:cNvPr>
+          <p:cNvSpPr txBox="1"/>
+          <p:nvPr/>
+        </p:nvSpPr>
+        <p:spPr>
+          <a:xfrm>
+            <a:off x="370067" y="5923357"/>
+            <a:ext cx="9782569" cy="461665"/>
+          </a:xfrm>
+          <a:prstGeom prst="rect">
+            <a:avLst/>
+          </a:prstGeom>
+          <a:noFill/>
+        </p:spPr>
+        <p:txBody>
+          <a:bodyPr wrap="square">
+            <a:spAutoFit/>
+          </a:bodyPr>
+          <a:lstStyle/>
+          <a:p>
+            <a:r>
+              <a:rPr lang="en-US" sz="1200" dirty="0">
+                <a:solidFill>
+                  <a:schemeClr val="bg1">
+                    <a:lumMod val="50000"/>
+                  </a:schemeClr>
+                </a:solidFill>
+              </a:rPr>
+              <a:t>Portrait in Public Domain, tinyurl.com/</a:t>
+            </a:r>
+            <a:r>
+              <a:rPr lang="en-US" sz="1200" dirty="0" err="1">
+                <a:solidFill>
+                  <a:schemeClr val="bg1">
+                    <a:lumMod val="50000"/>
+                  </a:schemeClr>
+                </a:solidFill>
+              </a:rPr>
+              <a:t>wkcite?curid</a:t>
+            </a:r>
+            <a:r>
+              <a:rPr lang="en-US" sz="1200" dirty="0">
+                <a:solidFill>
+                  <a:schemeClr val="bg1">
+                    <a:lumMod val="50000"/>
+                  </a:schemeClr>
+                </a:solidFill>
+              </a:rPr>
+              <a:t>=8947961. See Wikipedia’s page for Avogadro and Avogadro’s constant. Photo by </a:t>
+            </a:r>
+            <a:r>
+              <a:rPr lang="en-US" sz="1200" dirty="0" err="1">
+                <a:solidFill>
+                  <a:schemeClr val="bg1">
+                    <a:lumMod val="50000"/>
+                  </a:schemeClr>
+                </a:solidFill>
+              </a:rPr>
+              <a:t>zhang</a:t>
+            </a:r>
+            <a:r>
+              <a:rPr lang="en-US" sz="1200" dirty="0">
+                <a:solidFill>
+                  <a:schemeClr val="bg1">
+                    <a:lumMod val="50000"/>
+                  </a:schemeClr>
+                </a:solidFill>
+              </a:rPr>
+              <a:t> </a:t>
+            </a:r>
+            <a:r>
+              <a:rPr lang="en-US" sz="1200" dirty="0" err="1">
+                <a:solidFill>
+                  <a:schemeClr val="bg1">
+                    <a:lumMod val="50000"/>
+                  </a:schemeClr>
+                </a:solidFill>
+              </a:rPr>
+              <a:t>kaiyv</a:t>
+            </a:r>
+            <a:r>
+              <a:rPr lang="en-US" sz="1200" dirty="0">
+                <a:solidFill>
+                  <a:schemeClr val="bg1">
+                    <a:lumMod val="50000"/>
+                  </a:schemeClr>
+                </a:solidFill>
+              </a:rPr>
+              <a:t>, under </a:t>
+            </a:r>
+            <a:r>
+              <a:rPr lang="en-US" sz="1200" dirty="0" err="1">
+                <a:solidFill>
+                  <a:schemeClr val="bg1">
+                    <a:lumMod val="50000"/>
+                  </a:schemeClr>
+                </a:solidFill>
+              </a:rPr>
+              <a:t>Pexels</a:t>
+            </a:r>
+            <a:r>
+              <a:rPr lang="en-US" sz="1200" dirty="0">
+                <a:solidFill>
+                  <a:schemeClr val="bg1">
+                    <a:lumMod val="50000"/>
+                  </a:schemeClr>
+                </a:solidFill>
+              </a:rPr>
+              <a:t>’ permissive license.</a:t>
+            </a:r>
+          </a:p>
+        </p:txBody>
+      </p:sp>
+      <p:sp>
+        <p:nvSpPr>
+          <p:cNvPr id="81" name="Oval 80">
+            <a:extLst>
+              <a:ext uri="{FF2B5EF4-FFF2-40B4-BE49-F238E27FC236}">
+                <a16:creationId xmlns:a16="http://schemas.microsoft.com/office/drawing/2014/main" id="{C6C7C324-5386-4178-AC68-680710826380}"/>
+              </a:ext>
+            </a:extLst>
+          </p:cNvPr>
+          <p:cNvSpPr/>
+          <p:nvPr/>
+        </p:nvSpPr>
+        <p:spPr>
+          <a:xfrm>
+            <a:off x="3764280" y="3249208"/>
+            <a:ext cx="133350" cy="133350"/>
+          </a:xfrm>
+          <a:prstGeom prst="ellipse">
+            <a:avLst/>
+          </a:prstGeom>
+        </p:spPr>
+        <p:style>
+          <a:lnRef idx="2">
+            <a:schemeClr val="accent6"/>
+          </a:lnRef>
+          <a:fillRef idx="1">
+            <a:schemeClr val="lt1"/>
+          </a:fillRef>
+          <a:effectRef idx="0">
+            <a:schemeClr val="accent6"/>
+          </a:effectRef>
+          <a:fontRef idx="minor">
+            <a:schemeClr val="dk1"/>
+          </a:fontRef>
+        </p:style>
+        <p:txBody>
+          <a:bodyPr rtlCol="0" anchor="ctr"/>
+          <a:lstStyle/>
+          <a:p>
+            <a:pPr algn="ctr"/>
+            <a:endParaRPr lang="en-US"/>
+          </a:p>
+        </p:txBody>
+      </p:sp>
+      <p:cxnSp>
+        <p:nvCxnSpPr>
+          <p:cNvPr id="73" name="Straight Connector 72">
+            <a:extLst>
+              <a:ext uri="{FF2B5EF4-FFF2-40B4-BE49-F238E27FC236}">
+                <a16:creationId xmlns:a16="http://schemas.microsoft.com/office/drawing/2014/main" id="{C4B6FD75-07F0-4F9D-95D0-5B376FC82F6D}"/>
+              </a:ext>
+            </a:extLst>
+          </p:cNvPr>
+          <p:cNvCxnSpPr>
+            <a:cxnSpLocks/>
+          </p:cNvCxnSpPr>
+          <p:nvPr/>
+        </p:nvCxnSpPr>
+        <p:spPr>
+          <a:xfrm>
+            <a:off x="2907455" y="2605849"/>
+            <a:ext cx="856825" cy="670347"/>
+          </a:xfrm>
+          <a:prstGeom prst="line">
+            <a:avLst/>
+          </a:prstGeom>
+          <a:ln cap="rnd"/>
+        </p:spPr>
+        <p:style>
+          <a:lnRef idx="3">
+            <a:schemeClr val="accent6"/>
+          </a:lnRef>
+          <a:fillRef idx="0">
+            <a:schemeClr val="accent6"/>
+          </a:fillRef>
+          <a:effectRef idx="2">
+            <a:schemeClr val="accent6"/>
+          </a:effectRef>
+          <a:fontRef idx="minor">
+            <a:schemeClr val="tx1"/>
+          </a:fontRef>
+        </p:style>
+      </p:cxnSp>
+    </p:spTree>
+    <p:extLst>
+      <p:ext uri="{BB962C8B-B14F-4D97-AF65-F5344CB8AC3E}">
+        <p14:creationId xmlns:p14="http://schemas.microsoft.com/office/powerpoint/2010/main" val="1731150341"/>
+      </p:ext>
+    </p:extLst>
+  </p:cSld>
+  <p:clrMapOvr>
+    <a:masterClrMapping/>
+  </p:clrMapOvr>
+</p:sld>
+</file>
+
+<file path=ppt/slides/slide3.xml><?xml version="1.0" encoding="utf-8"?>
+<p:sld xmlns:a="http://schemas.openxmlformats.org/drawingml/2006/main" xmlns:r="http://schemas.openxmlformats.org/officeDocument/2006/relationships" xmlns:p="http://schemas.openxmlformats.org/presentationml/2006/main">
+  <p:cSld>
+    <p:spTree>
+      <p:nvGrpSpPr>
+        <p:cNvPr id="1" name=""/>
+        <p:cNvGrpSpPr/>
+        <p:nvPr/>
+      </p:nvGrpSpPr>
+      <p:grpSpPr>
+        <a:xfrm>
+          <a:off x="0" y="0"/>
+          <a:ext cx="0" cy="0"/>
+          <a:chOff x="0" y="0"/>
+          <a:chExt cx="0" cy="0"/>
+        </a:xfrm>
+      </p:grpSpPr>
+      <p:sp>
+        <p:nvSpPr>
+          <p:cNvPr id="76" name="Rectangle 75" hidden="1">
+            <a:extLst>
+              <a:ext uri="{FF2B5EF4-FFF2-40B4-BE49-F238E27FC236}">
+                <a16:creationId xmlns:a16="http://schemas.microsoft.com/office/drawing/2014/main" id="{981E1C58-77CF-43EC-B890-0FE2D629745B}"/>
+              </a:ext>
+            </a:extLst>
+          </p:cNvPr>
+          <p:cNvSpPr/>
+          <p:nvPr/>
+        </p:nvSpPr>
+        <p:spPr>
+          <a:xfrm>
+            <a:off x="0" y="0"/>
+            <a:ext cx="12192000" cy="6858000"/>
+          </a:xfrm>
+          <a:prstGeom prst="rect">
+            <a:avLst/>
+          </a:prstGeom>
+          <a:solidFill>
+            <a:schemeClr val="bg1"/>
+          </a:solidFill>
+          <a:ln>
+            <a:noFill/>
+          </a:ln>
+        </p:spPr>
+        <p:style>
+          <a:lnRef idx="2">
+            <a:schemeClr val="accent1">
+              <a:shade val="50000"/>
+            </a:schemeClr>
+          </a:lnRef>
+          <a:fillRef idx="1">
+            <a:schemeClr val="accent1"/>
+          </a:fillRef>
+          <a:effectRef idx="0">
+            <a:schemeClr val="accent1"/>
+          </a:effectRef>
+          <a:fontRef idx="minor">
+            <a:schemeClr val="lt1"/>
+          </a:fontRef>
+        </p:style>
+        <p:txBody>
+          <a:bodyPr rtlCol="0" anchor="ctr"/>
+          <a:lstStyle/>
+          <a:p>
+            <a:pPr algn="ctr"/>
+            <a:endParaRPr lang="en-US"/>
+          </a:p>
+        </p:txBody>
+      </p:sp>
+      <p:sp>
+        <p:nvSpPr>
+          <p:cNvPr id="12" name="TextBox 11">
+            <a:extLst>
+              <a:ext uri="{FF2B5EF4-FFF2-40B4-BE49-F238E27FC236}">
+                <a16:creationId xmlns:a16="http://schemas.microsoft.com/office/drawing/2014/main" id="{2F21B15B-18F0-404B-A4D9-CF02D6672999}"/>
+              </a:ext>
+            </a:extLst>
+          </p:cNvPr>
+          <p:cNvSpPr txBox="1"/>
+          <p:nvPr/>
+        </p:nvSpPr>
+        <p:spPr>
+          <a:xfrm>
+            <a:off x="423401" y="1212539"/>
+            <a:ext cx="2013628" cy="369332"/>
+          </a:xfrm>
+          <a:prstGeom prst="rect">
+            <a:avLst/>
+          </a:prstGeom>
+          <a:noFill/>
+        </p:spPr>
+        <p:txBody>
+          <a:bodyPr wrap="none" rtlCol="0">
+            <a:spAutoFit/>
+          </a:bodyPr>
+          <a:lstStyle/>
+          <a:p>
+            <a:r>
+              <a:rPr lang="en-US" dirty="0">
+                <a:solidFill>
+                  <a:schemeClr val="accent6">
+                    <a:lumMod val="75000"/>
+                  </a:schemeClr>
+                </a:solidFill>
+              </a:rPr>
+              <a:t>Vertex (pl. Vertices)</a:t>
+            </a:r>
+          </a:p>
+        </p:txBody>
+      </p:sp>
+      <p:sp>
+        <p:nvSpPr>
+          <p:cNvPr id="38" name="TextBox 37">
+            <a:extLst>
+              <a:ext uri="{FF2B5EF4-FFF2-40B4-BE49-F238E27FC236}">
+                <a16:creationId xmlns:a16="http://schemas.microsoft.com/office/drawing/2014/main" id="{91D2CAB9-EF2E-4B5B-B20A-806B6DD60F42}"/>
+              </a:ext>
+            </a:extLst>
+          </p:cNvPr>
+          <p:cNvSpPr txBox="1"/>
+          <p:nvPr/>
+        </p:nvSpPr>
+        <p:spPr>
+          <a:xfrm>
+            <a:off x="0" y="250222"/>
+            <a:ext cx="12192000" cy="523220"/>
+          </a:xfrm>
+          <a:prstGeom prst="rect">
+            <a:avLst/>
+          </a:prstGeom>
+          <a:noFill/>
+        </p:spPr>
+        <p:txBody>
+          <a:bodyPr wrap="square" rtlCol="0">
+            <a:spAutoFit/>
+          </a:bodyPr>
+          <a:lstStyle/>
+          <a:p>
+            <a:pPr algn="ctr"/>
+            <a:r>
+              <a:rPr lang="en-US" sz="2800" dirty="0">
+                <a:solidFill>
+                  <a:schemeClr val="accent6">
+                    <a:lumMod val="75000"/>
+                  </a:schemeClr>
+                </a:solidFill>
+              </a:rPr>
+              <a:t>Basic 3D Object Representation</a:t>
+            </a:r>
+          </a:p>
+        </p:txBody>
+      </p:sp>
+      <p:grpSp>
+        <p:nvGrpSpPr>
+          <p:cNvPr id="49" name="Group 48">
+            <a:extLst>
+              <a:ext uri="{FF2B5EF4-FFF2-40B4-BE49-F238E27FC236}">
+                <a16:creationId xmlns:a16="http://schemas.microsoft.com/office/drawing/2014/main" id="{B8CE06AF-2806-4107-95D9-AAC286CC343B}"/>
+              </a:ext>
+            </a:extLst>
+          </p:cNvPr>
+          <p:cNvGrpSpPr/>
+          <p:nvPr/>
+        </p:nvGrpSpPr>
+        <p:grpSpPr>
+          <a:xfrm>
+            <a:off x="3388262" y="680056"/>
+            <a:ext cx="5390936" cy="297874"/>
+            <a:chOff x="3592854" y="624781"/>
+            <a:chExt cx="5390936" cy="297874"/>
+          </a:xfrm>
+        </p:grpSpPr>
+        <p:cxnSp>
+          <p:nvCxnSpPr>
+            <p:cNvPr id="40" name="Straight Connector 39">
+              <a:extLst>
+                <a:ext uri="{FF2B5EF4-FFF2-40B4-BE49-F238E27FC236}">
+                  <a16:creationId xmlns:a16="http://schemas.microsoft.com/office/drawing/2014/main" id="{D6E0AC31-61D0-4CE2-AA3B-3C6978E8704A}"/>
+                </a:ext>
+              </a:extLst>
+            </p:cNvPr>
+            <p:cNvCxnSpPr/>
+            <p:nvPr/>
+          </p:nvCxnSpPr>
+          <p:spPr>
+            <a:xfrm>
+              <a:off x="5170031" y="773442"/>
+              <a:ext cx="2057400" cy="0"/>
+            </a:xfrm>
+            <a:prstGeom prst="line">
+              <a:avLst/>
+            </a:prstGeom>
+            <a:ln cap="rnd"/>
+          </p:spPr>
+          <p:style>
+            <a:lnRef idx="3">
+              <a:schemeClr val="accent6"/>
+            </a:lnRef>
+            <a:fillRef idx="0">
+              <a:schemeClr val="accent6"/>
+            </a:fillRef>
+            <a:effectRef idx="2">
+              <a:schemeClr val="accent6"/>
+            </a:effectRef>
+            <a:fontRef idx="minor">
+              <a:schemeClr val="tx1"/>
+            </a:fontRef>
+          </p:style>
+        </p:cxnSp>
+        <p:cxnSp>
+          <p:nvCxnSpPr>
+            <p:cNvPr id="41" name="Straight Connector 40">
+              <a:extLst>
+                <a:ext uri="{FF2B5EF4-FFF2-40B4-BE49-F238E27FC236}">
+                  <a16:creationId xmlns:a16="http://schemas.microsoft.com/office/drawing/2014/main" id="{B388F3BF-FB37-4435-8519-443F06647178}"/>
+                </a:ext>
+              </a:extLst>
+            </p:cNvPr>
+            <p:cNvCxnSpPr>
+              <a:cxnSpLocks/>
+              <a:endCxn id="51" idx="2"/>
+            </p:cNvCxnSpPr>
+            <p:nvPr/>
+          </p:nvCxnSpPr>
+          <p:spPr>
+            <a:xfrm flipV="1">
+              <a:off x="7349270" y="691456"/>
+              <a:ext cx="1501170" cy="5786"/>
+            </a:xfrm>
+            <a:prstGeom prst="line">
+              <a:avLst/>
+            </a:prstGeom>
+            <a:ln cap="rnd"/>
+          </p:spPr>
+          <p:style>
+            <a:lnRef idx="3">
+              <a:schemeClr val="accent6"/>
+            </a:lnRef>
+            <a:fillRef idx="0">
+              <a:schemeClr val="accent6"/>
+            </a:fillRef>
+            <a:effectRef idx="2">
+              <a:schemeClr val="accent6"/>
+            </a:effectRef>
+            <a:fontRef idx="minor">
+              <a:schemeClr val="tx1"/>
+            </a:fontRef>
+          </p:style>
+        </p:cxnSp>
+        <p:cxnSp>
+          <p:nvCxnSpPr>
+            <p:cNvPr id="43" name="Straight Connector 42">
+              <a:extLst>
+                <a:ext uri="{FF2B5EF4-FFF2-40B4-BE49-F238E27FC236}">
+                  <a16:creationId xmlns:a16="http://schemas.microsoft.com/office/drawing/2014/main" id="{EC5F7052-9710-4CD3-8A81-EEE0E9A7244C}"/>
+                </a:ext>
+              </a:extLst>
+            </p:cNvPr>
+            <p:cNvCxnSpPr>
+              <a:cxnSpLocks/>
+            </p:cNvCxnSpPr>
+            <p:nvPr/>
+          </p:nvCxnSpPr>
+          <p:spPr>
+            <a:xfrm flipV="1">
+              <a:off x="7227431" y="697242"/>
+              <a:ext cx="121839" cy="76200"/>
+            </a:xfrm>
+            <a:prstGeom prst="line">
+              <a:avLst/>
+            </a:prstGeom>
+            <a:ln cap="rnd"/>
+          </p:spPr>
+          <p:style>
+            <a:lnRef idx="3">
+              <a:schemeClr val="accent6"/>
+            </a:lnRef>
+            <a:fillRef idx="0">
+              <a:schemeClr val="accent6"/>
+            </a:fillRef>
+            <a:effectRef idx="2">
+              <a:schemeClr val="accent6"/>
+            </a:effectRef>
+            <a:fontRef idx="minor">
+              <a:schemeClr val="tx1"/>
+            </a:fontRef>
+          </p:style>
+        </p:cxnSp>
+        <p:cxnSp>
+          <p:nvCxnSpPr>
+            <p:cNvPr id="46" name="Straight Connector 45">
+              <a:extLst>
+                <a:ext uri="{FF2B5EF4-FFF2-40B4-BE49-F238E27FC236}">
+                  <a16:creationId xmlns:a16="http://schemas.microsoft.com/office/drawing/2014/main" id="{C86B609C-3E9D-4EA1-9D7B-7AD108C8C57B}"/>
+                </a:ext>
+              </a:extLst>
+            </p:cNvPr>
+            <p:cNvCxnSpPr>
+              <a:cxnSpLocks/>
+            </p:cNvCxnSpPr>
+            <p:nvPr/>
+          </p:nvCxnSpPr>
+          <p:spPr>
+            <a:xfrm flipV="1">
+              <a:off x="5048192" y="773442"/>
+              <a:ext cx="121839" cy="76200"/>
+            </a:xfrm>
+            <a:prstGeom prst="line">
+              <a:avLst/>
+            </a:prstGeom>
+            <a:ln cap="rnd"/>
+          </p:spPr>
+          <p:style>
+            <a:lnRef idx="3">
+              <a:schemeClr val="accent6"/>
+            </a:lnRef>
+            <a:fillRef idx="0">
+              <a:schemeClr val="accent6"/>
+            </a:fillRef>
+            <a:effectRef idx="2">
+              <a:schemeClr val="accent6"/>
+            </a:effectRef>
+            <a:fontRef idx="minor">
+              <a:schemeClr val="tx1"/>
+            </a:fontRef>
+          </p:style>
+        </p:cxnSp>
+        <p:cxnSp>
+          <p:nvCxnSpPr>
+            <p:cNvPr id="47" name="Straight Connector 46">
+              <a:extLst>
+                <a:ext uri="{FF2B5EF4-FFF2-40B4-BE49-F238E27FC236}">
+                  <a16:creationId xmlns:a16="http://schemas.microsoft.com/office/drawing/2014/main" id="{0D690C07-0109-4CEC-B0CC-434EED608911}"/>
+                </a:ext>
+              </a:extLst>
+            </p:cNvPr>
+            <p:cNvCxnSpPr>
+              <a:cxnSpLocks/>
+              <a:stCxn id="50" idx="6"/>
+            </p:cNvCxnSpPr>
+            <p:nvPr/>
+          </p:nvCxnSpPr>
+          <p:spPr>
+            <a:xfrm flipV="1">
+              <a:off x="3726204" y="849642"/>
+              <a:ext cx="1321988" cy="6338"/>
+            </a:xfrm>
+            <a:prstGeom prst="line">
+              <a:avLst/>
+            </a:prstGeom>
+            <a:ln cap="rnd"/>
+          </p:spPr>
+          <p:style>
+            <a:lnRef idx="3">
+              <a:schemeClr val="accent6"/>
+            </a:lnRef>
+            <a:fillRef idx="0">
+              <a:schemeClr val="accent6"/>
+            </a:fillRef>
+            <a:effectRef idx="2">
+              <a:schemeClr val="accent6"/>
+            </a:effectRef>
+            <a:fontRef idx="minor">
+              <a:schemeClr val="tx1"/>
+            </a:fontRef>
+          </p:style>
+        </p:cxnSp>
+        <p:sp>
+          <p:nvSpPr>
+            <p:cNvPr id="50" name="Oval 49">
+              <a:extLst>
+                <a:ext uri="{FF2B5EF4-FFF2-40B4-BE49-F238E27FC236}">
+                  <a16:creationId xmlns:a16="http://schemas.microsoft.com/office/drawing/2014/main" id="{EEA3A56A-D77B-4804-9467-3C2325189A39}"/>
+                </a:ext>
+              </a:extLst>
+            </p:cNvPr>
+            <p:cNvSpPr/>
+            <p:nvPr/>
+          </p:nvSpPr>
+          <p:spPr>
+            <a:xfrm>
+              <a:off x="3592854" y="789305"/>
+              <a:ext cx="133350" cy="133350"/>
+            </a:xfrm>
+            <a:prstGeom prst="ellipse">
+              <a:avLst/>
+            </a:prstGeom>
+          </p:spPr>
+          <p:style>
+            <a:lnRef idx="2">
+              <a:schemeClr val="accent6"/>
+            </a:lnRef>
+            <a:fillRef idx="1">
+              <a:schemeClr val="lt1"/>
+            </a:fillRef>
+            <a:effectRef idx="0">
+              <a:schemeClr val="accent6"/>
+            </a:effectRef>
+            <a:fontRef idx="minor">
+              <a:schemeClr val="dk1"/>
+            </a:fontRef>
+          </p:style>
+          <p:txBody>
+            <a:bodyPr rtlCol="0" anchor="ctr"/>
+            <a:lstStyle/>
+            <a:p>
+              <a:pPr algn="ctr"/>
+              <a:endParaRPr lang="en-US" i="1" dirty="0"/>
+            </a:p>
+          </p:txBody>
+        </p:sp>
+        <p:sp>
+          <p:nvSpPr>
+            <p:cNvPr id="51" name="Oval 50">
+              <a:extLst>
+                <a:ext uri="{FF2B5EF4-FFF2-40B4-BE49-F238E27FC236}">
+                  <a16:creationId xmlns:a16="http://schemas.microsoft.com/office/drawing/2014/main" id="{488A40C9-3C11-477D-B0FB-19648893F367}"/>
+                </a:ext>
+              </a:extLst>
+            </p:cNvPr>
+            <p:cNvSpPr/>
+            <p:nvPr/>
+          </p:nvSpPr>
+          <p:spPr>
+            <a:xfrm>
+              <a:off x="8850440" y="624781"/>
+              <a:ext cx="133350" cy="133350"/>
+            </a:xfrm>
+            <a:prstGeom prst="ellipse">
+              <a:avLst/>
+            </a:prstGeom>
+          </p:spPr>
+          <p:style>
+            <a:lnRef idx="2">
+              <a:schemeClr val="accent6"/>
+            </a:lnRef>
+            <a:fillRef idx="1">
+              <a:schemeClr val="lt1"/>
+            </a:fillRef>
+            <a:effectRef idx="0">
+              <a:schemeClr val="accent6"/>
+            </a:effectRef>
+            <a:fontRef idx="minor">
+              <a:schemeClr val="dk1"/>
+            </a:fontRef>
+          </p:style>
+          <p:txBody>
+            <a:bodyPr rtlCol="0" anchor="ctr"/>
+            <a:lstStyle/>
+            <a:p>
+              <a:pPr algn="ctr"/>
+              <a:endParaRPr lang="en-US" i="1" dirty="0"/>
+            </a:p>
+          </p:txBody>
+        </p:sp>
+      </p:grpSp>
+      <p:pic>
+        <p:nvPicPr>
+          <p:cNvPr id="48" name="Picture 47">
+            <a:extLst>
+              <a:ext uri="{FF2B5EF4-FFF2-40B4-BE49-F238E27FC236}">
+                <a16:creationId xmlns:a16="http://schemas.microsoft.com/office/drawing/2014/main" id="{EEFC529E-401B-4613-917D-8D833063063F}"/>
+              </a:ext>
+            </a:extLst>
+          </p:cNvPr>
+          <p:cNvPicPr>
+            <a:picLocks noChangeAspect="1"/>
+          </p:cNvPicPr>
+          <p:nvPr/>
+        </p:nvPicPr>
         <p:blipFill>
-          <a:blip r:embed="rId3"/>
+          <a:blip r:embed="rId2"/>
           <a:stretch>
             <a:fillRect/>
           </a:stretch>
@@ -4118,10 +5729,10 @@
         </p:nvGrpSpPr>
         <p:grpSpPr>
           <a:xfrm>
-            <a:off x="8593828" y="1212539"/>
-            <a:ext cx="1980497" cy="417326"/>
-            <a:chOff x="7435959" y="4537061"/>
-            <a:chExt cx="1980497" cy="417326"/>
+            <a:off x="7043159" y="1208705"/>
+            <a:ext cx="4639716" cy="1870311"/>
+            <a:chOff x="4592779" y="4537061"/>
+            <a:chExt cx="4639716" cy="1870311"/>
           </a:xfrm>
         </p:grpSpPr>
         <p:sp>
@@ -4138,8 +5749,8 @@
           </p:nvSpPr>
           <p:spPr>
             <a:xfrm>
-              <a:off x="7503753" y="4537061"/>
-              <a:ext cx="1912703" cy="369332"/>
+              <a:off x="7828871" y="4537061"/>
+              <a:ext cx="1403624" cy="369332"/>
             </a:xfrm>
             <a:prstGeom prst="rect">
               <a:avLst/>
@@ -4147,11 +5758,12 @@
             <a:noFill/>
           </p:spPr>
           <p:txBody>
-            <a:bodyPr wrap="none" rtlCol="0">
+            <a:bodyPr wrap="square" rtlCol="0">
               <a:spAutoFit/>
             </a:bodyPr>
             <a:lstStyle/>
             <a:p>
+              <a:pPr algn="r"/>
               <a:r>
                 <a:rPr lang="en-US" dirty="0">
                   <a:solidFill>
@@ -4160,7 +5772,7 @@
                     </a:schemeClr>
                   </a:solidFill>
                 </a:rPr>
-                <a:t>Amadeo Avogadro</a:t>
+                <a:t>Face</a:t>
               </a:r>
             </a:p>
           </p:txBody>
@@ -4179,10 +5791,10 @@
           </p:nvGrpSpPr>
           <p:grpSpPr>
             <a:xfrm>
-              <a:off x="7435959" y="4821037"/>
-              <a:ext cx="1780609" cy="133350"/>
-              <a:chOff x="7435959" y="4821037"/>
-              <a:chExt cx="1780609" cy="133350"/>
+              <a:off x="4592779" y="4887712"/>
+              <a:ext cx="4623791" cy="1519660"/>
+              <a:chOff x="4592779" y="4887712"/>
+              <a:chExt cx="4623791" cy="1519660"/>
             </a:xfrm>
           </p:grpSpPr>
           <p:sp>
@@ -4199,7 +5811,7 @@
             </p:nvSpPr>
             <p:spPr>
               <a:xfrm>
-                <a:off x="7435959" y="4821037"/>
+                <a:off x="4592779" y="6274022"/>
                 <a:ext cx="133350" cy="133350"/>
               </a:xfrm>
               <a:prstGeom prst="ellipse">
@@ -4245,8 +5857,8 @@
             </p:nvCxnSpPr>
             <p:spPr>
               <a:xfrm flipH="1">
-                <a:off x="7569309" y="4887712"/>
-                <a:ext cx="1647259" cy="1"/>
+                <a:off x="6897905" y="4887712"/>
+                <a:ext cx="2318665" cy="0"/>
               </a:xfrm>
               <a:prstGeom prst="line">
                 <a:avLst/>
@@ -4272,10 +5884,10 @@
       </p:grpSp>
       <p:sp>
         <p:nvSpPr>
-          <p:cNvPr id="79" name="TextBox 78">
-            <a:extLst>
-              <a:ext uri="{FF2B5EF4-FFF2-40B4-BE49-F238E27FC236}">
-                <a16:creationId xmlns:a16="http://schemas.microsoft.com/office/drawing/2014/main" id="{9A8A88B3-A8E9-463B-9F36-B40BDE35CCC3}"/>
+          <p:cNvPr id="44" name="TextBox 43">
+            <a:extLst>
+              <a:ext uri="{FF2B5EF4-FFF2-40B4-BE49-F238E27FC236}">
+                <a16:creationId xmlns:a16="http://schemas.microsoft.com/office/drawing/2014/main" id="{6F9E3E96-B80A-40BC-8F8C-C063311EAEEC}"/>
               </a:ext>
             </a:extLst>
           </p:cNvPr>
@@ -4284,8 +5896,8 @@
         </p:nvSpPr>
         <p:spPr>
           <a:xfrm>
-            <a:off x="8823067" y="3719702"/>
-            <a:ext cx="2579811" cy="2308324"/>
+            <a:off x="419486" y="1729802"/>
+            <a:ext cx="2870280" cy="1661993"/>
           </a:xfrm>
           <a:prstGeom prst="rect">
             <a:avLst/>
@@ -4300,29 +5912,109 @@
           <a:p>
             <a:r>
               <a:rPr lang="en-US" dirty="0"/>
-              <a:t>Amedeo Carlo Avogadro</a:t>
+              <a:t>A location in 3D space represented by a column vector: [x,y,z,1]</a:t>
             </a:r>
+            <a:r>
+              <a:rPr lang="en-US" baseline="30000" dirty="0"/>
+              <a:t>T</a:t>
+            </a:r>
+          </a:p>
+          <a:p>
+            <a:endParaRPr lang="en-US" baseline="30000" dirty="0"/>
           </a:p>
           <a:p>
             <a:r>
               <a:rPr lang="en-US" dirty="0"/>
-              <a:t>(1776-1856)</a:t>
+              <a:t>The last dimension is called W and is always 1.</a:t>
             </a:r>
           </a:p>
+        </p:txBody>
+      </p:sp>
+      <p:sp>
+        <p:nvSpPr>
+          <p:cNvPr id="16" name="TextBox 15">
+            <a:extLst>
+              <a:ext uri="{FF2B5EF4-FFF2-40B4-BE49-F238E27FC236}">
+                <a16:creationId xmlns:a16="http://schemas.microsoft.com/office/drawing/2014/main" id="{FAF7FBCC-022F-452F-872D-10D9B883023A}"/>
+              </a:ext>
+            </a:extLst>
+          </p:cNvPr>
+          <p:cNvSpPr txBox="1"/>
+          <p:nvPr/>
+        </p:nvSpPr>
+        <p:spPr>
+          <a:xfrm>
+            <a:off x="333214" y="4194539"/>
+            <a:ext cx="3516550" cy="1200329"/>
+          </a:xfrm>
+          <a:prstGeom prst="rect">
+            <a:avLst/>
+          </a:prstGeom>
+          <a:noFill/>
+        </p:spPr>
+        <p:txBody>
+          <a:bodyPr wrap="square" rtlCol="0">
+            <a:spAutoFit/>
+          </a:bodyPr>
+          <a:lstStyle/>
           <a:p>
             <a:r>
               <a:rPr lang="en-US" dirty="0"/>
-              <a:t>The constant is named after Avogadro, even though he did not discover it. Avogadro’s scientific contributions focused on gases.</a:t>
+              <a:t>Two connected vertices. Mathematically, a line or edge represents the segment of an infinite line.</a:t>
+            </a:r>
+          </a:p>
+        </p:txBody>
+      </p:sp>
+      <p:sp>
+        <p:nvSpPr>
+          <p:cNvPr id="63" name="TextBox 62">
+            <a:extLst>
+              <a:ext uri="{FF2B5EF4-FFF2-40B4-BE49-F238E27FC236}">
+                <a16:creationId xmlns:a16="http://schemas.microsoft.com/office/drawing/2014/main" id="{8B57CC2D-07F3-4081-8313-5ECA98B2FD00}"/>
+              </a:ext>
+            </a:extLst>
+          </p:cNvPr>
+          <p:cNvSpPr txBox="1"/>
+          <p:nvPr/>
+        </p:nvSpPr>
+        <p:spPr>
+          <a:xfrm>
+            <a:off x="9348285" y="1729802"/>
+            <a:ext cx="2687860" cy="3139321"/>
+          </a:xfrm>
+          <a:prstGeom prst="rect">
+            <a:avLst/>
+          </a:prstGeom>
+          <a:noFill/>
+        </p:spPr>
+        <p:txBody>
+          <a:bodyPr wrap="square" rtlCol="0">
+            <a:spAutoFit/>
+          </a:bodyPr>
+          <a:lstStyle/>
+          <a:p>
+            <a:r>
+              <a:rPr lang="en-US" dirty="0"/>
+              <a:t>Ideally, a set of vertices that, when connected in order with edges, creates a flat, enclosed surface. </a:t>
+            </a:r>
+          </a:p>
+          <a:p>
+            <a:endParaRPr lang="en-US" dirty="0"/>
+          </a:p>
+          <a:p>
+            <a:r>
+              <a:rPr lang="en-US" dirty="0"/>
+              <a:t>For a GPU to render a face, the face needs to be  be represented by triangles. Triangle remove any ambiguity because they are always flat.</a:t>
             </a:r>
           </a:p>
         </p:txBody>
       </p:sp>
       <p:cxnSp>
         <p:nvCxnSpPr>
-          <p:cNvPr id="80" name="Straight Connector 79">
-            <a:extLst>
-              <a:ext uri="{FF2B5EF4-FFF2-40B4-BE49-F238E27FC236}">
-                <a16:creationId xmlns:a16="http://schemas.microsoft.com/office/drawing/2014/main" id="{6E86C039-173E-446C-A38C-CDF5334B9C04}"/>
+          <p:cNvPr id="18" name="Straight Connector 17">
+            <a:extLst>
+              <a:ext uri="{FF2B5EF4-FFF2-40B4-BE49-F238E27FC236}">
+                <a16:creationId xmlns:a16="http://schemas.microsoft.com/office/drawing/2014/main" id="{2A627305-A7E6-4364-9161-A7E44ACF5F30}"/>
               </a:ext>
             </a:extLst>
           </p:cNvPr>
@@ -4333,8 +6025,591 @@
         </p:nvCxnSpPr>
         <p:spPr>
           <a:xfrm flipV="1">
-            <a:off x="505210" y="2600323"/>
-            <a:ext cx="2398330" cy="19052"/>
+            <a:off x="4382146" y="1729803"/>
+            <a:ext cx="2425485" cy="1184155"/>
+          </a:xfrm>
+          <a:prstGeom prst="line">
+            <a:avLst/>
+          </a:prstGeom>
+          <a:ln w="38100">
+            <a:solidFill>
+              <a:schemeClr val="accent6">
+                <a:lumMod val="50000"/>
+              </a:schemeClr>
+            </a:solidFill>
+          </a:ln>
+        </p:spPr>
+        <p:style>
+          <a:lnRef idx="1">
+            <a:schemeClr val="accent1"/>
+          </a:lnRef>
+          <a:fillRef idx="0">
+            <a:schemeClr val="accent1"/>
+          </a:fillRef>
+          <a:effectRef idx="0">
+            <a:schemeClr val="accent1"/>
+          </a:effectRef>
+          <a:fontRef idx="minor">
+            <a:schemeClr val="tx1"/>
+          </a:fontRef>
+        </p:style>
+      </p:cxnSp>
+      <p:cxnSp>
+        <p:nvCxnSpPr>
+          <p:cNvPr id="20" name="Straight Connector 19">
+            <a:extLst>
+              <a:ext uri="{FF2B5EF4-FFF2-40B4-BE49-F238E27FC236}">
+                <a16:creationId xmlns:a16="http://schemas.microsoft.com/office/drawing/2014/main" id="{1A9855D2-354A-4237-8916-C4764B58D46A}"/>
+              </a:ext>
+            </a:extLst>
+          </p:cNvPr>
+          <p:cNvCxnSpPr/>
+          <p:nvPr/>
+        </p:nvCxnSpPr>
+        <p:spPr>
+          <a:xfrm>
+            <a:off x="4382146" y="2904208"/>
+            <a:ext cx="120112" cy="1791778"/>
+          </a:xfrm>
+          <a:prstGeom prst="line">
+            <a:avLst/>
+          </a:prstGeom>
+          <a:ln w="38100">
+            <a:solidFill>
+              <a:schemeClr val="accent6">
+                <a:lumMod val="50000"/>
+              </a:schemeClr>
+            </a:solidFill>
+          </a:ln>
+        </p:spPr>
+        <p:style>
+          <a:lnRef idx="1">
+            <a:schemeClr val="accent1"/>
+          </a:lnRef>
+          <a:fillRef idx="0">
+            <a:schemeClr val="accent1"/>
+          </a:fillRef>
+          <a:effectRef idx="0">
+            <a:schemeClr val="accent1"/>
+          </a:effectRef>
+          <a:fontRef idx="minor">
+            <a:schemeClr val="tx1"/>
+          </a:fontRef>
+        </p:style>
+      </p:cxnSp>
+      <p:cxnSp>
+        <p:nvCxnSpPr>
+          <p:cNvPr id="22" name="Straight Connector 21">
+            <a:extLst>
+              <a:ext uri="{FF2B5EF4-FFF2-40B4-BE49-F238E27FC236}">
+                <a16:creationId xmlns:a16="http://schemas.microsoft.com/office/drawing/2014/main" id="{BA77BA38-C37F-43CA-9866-AC4F1FA6C516}"/>
+              </a:ext>
+            </a:extLst>
+          </p:cNvPr>
+          <p:cNvCxnSpPr/>
+          <p:nvPr/>
+        </p:nvCxnSpPr>
+        <p:spPr>
+          <a:xfrm flipV="1">
+            <a:off x="4513881" y="3336010"/>
+            <a:ext cx="3161655" cy="1377268"/>
+          </a:xfrm>
+          <a:prstGeom prst="line">
+            <a:avLst/>
+          </a:prstGeom>
+          <a:ln w="38100">
+            <a:solidFill>
+              <a:schemeClr val="accent6">
+                <a:lumMod val="50000"/>
+              </a:schemeClr>
+            </a:solidFill>
+          </a:ln>
+        </p:spPr>
+        <p:style>
+          <a:lnRef idx="1">
+            <a:schemeClr val="accent1"/>
+          </a:lnRef>
+          <a:fillRef idx="0">
+            <a:schemeClr val="accent1"/>
+          </a:fillRef>
+          <a:effectRef idx="0">
+            <a:schemeClr val="accent1"/>
+          </a:effectRef>
+          <a:fontRef idx="minor">
+            <a:schemeClr val="tx1"/>
+          </a:fontRef>
+        </p:style>
+      </p:cxnSp>
+      <p:cxnSp>
+        <p:nvCxnSpPr>
+          <p:cNvPr id="26" name="Straight Connector 25">
+            <a:extLst>
+              <a:ext uri="{FF2B5EF4-FFF2-40B4-BE49-F238E27FC236}">
+                <a16:creationId xmlns:a16="http://schemas.microsoft.com/office/drawing/2014/main" id="{87E97EDF-73D0-431D-9F33-38B7C4B9B59C}"/>
+              </a:ext>
+            </a:extLst>
+          </p:cNvPr>
+          <p:cNvCxnSpPr/>
+          <p:nvPr/>
+        </p:nvCxnSpPr>
+        <p:spPr>
+          <a:xfrm>
+            <a:off x="6807631" y="1729802"/>
+            <a:ext cx="867905" cy="1606208"/>
+          </a:xfrm>
+          <a:prstGeom prst="line">
+            <a:avLst/>
+          </a:prstGeom>
+          <a:ln w="38100">
+            <a:solidFill>
+              <a:schemeClr val="accent6">
+                <a:lumMod val="50000"/>
+              </a:schemeClr>
+            </a:solidFill>
+          </a:ln>
+        </p:spPr>
+        <p:style>
+          <a:lnRef idx="1">
+            <a:schemeClr val="accent1"/>
+          </a:lnRef>
+          <a:fillRef idx="0">
+            <a:schemeClr val="accent1"/>
+          </a:fillRef>
+          <a:effectRef idx="0">
+            <a:schemeClr val="accent1"/>
+          </a:effectRef>
+          <a:fontRef idx="minor">
+            <a:schemeClr val="tx1"/>
+          </a:fontRef>
+        </p:style>
+      </p:cxnSp>
+      <p:cxnSp>
+        <p:nvCxnSpPr>
+          <p:cNvPr id="69" name="Straight Connector 68">
+            <a:extLst>
+              <a:ext uri="{FF2B5EF4-FFF2-40B4-BE49-F238E27FC236}">
+                <a16:creationId xmlns:a16="http://schemas.microsoft.com/office/drawing/2014/main" id="{B4661ED3-D2BF-4B32-9A19-EE16ED08FF84}"/>
+              </a:ext>
+            </a:extLst>
+          </p:cNvPr>
+          <p:cNvCxnSpPr>
+            <a:cxnSpLocks/>
+          </p:cNvCxnSpPr>
+          <p:nvPr/>
+        </p:nvCxnSpPr>
+        <p:spPr>
+          <a:xfrm flipV="1">
+            <a:off x="3443553" y="1124527"/>
+            <a:ext cx="4561322" cy="2254105"/>
+          </a:xfrm>
+          <a:prstGeom prst="line">
+            <a:avLst/>
+          </a:prstGeom>
+          <a:ln w="12700">
+            <a:solidFill>
+              <a:schemeClr val="accent6">
+                <a:lumMod val="50000"/>
+              </a:schemeClr>
+            </a:solidFill>
+            <a:prstDash val="dash"/>
+          </a:ln>
+        </p:spPr>
+        <p:style>
+          <a:lnRef idx="1">
+            <a:schemeClr val="accent1"/>
+          </a:lnRef>
+          <a:fillRef idx="0">
+            <a:schemeClr val="accent1"/>
+          </a:fillRef>
+          <a:effectRef idx="0">
+            <a:schemeClr val="accent1"/>
+          </a:effectRef>
+          <a:fontRef idx="minor">
+            <a:schemeClr val="tx1"/>
+          </a:fontRef>
+        </p:style>
+      </p:cxnSp>
+      <p:cxnSp>
+        <p:nvCxnSpPr>
+          <p:cNvPr id="70" name="Straight Connector 69">
+            <a:extLst>
+              <a:ext uri="{FF2B5EF4-FFF2-40B4-BE49-F238E27FC236}">
+                <a16:creationId xmlns:a16="http://schemas.microsoft.com/office/drawing/2014/main" id="{EA0BF15A-F4CF-454D-AC1B-566F575EA19D}"/>
+              </a:ext>
+            </a:extLst>
+          </p:cNvPr>
+          <p:cNvCxnSpPr>
+            <a:cxnSpLocks/>
+          </p:cNvCxnSpPr>
+          <p:nvPr/>
+        </p:nvCxnSpPr>
+        <p:spPr>
+          <a:xfrm>
+            <a:off x="4295304" y="1626031"/>
+            <a:ext cx="281897" cy="4205206"/>
+          </a:xfrm>
+          <a:prstGeom prst="line">
+            <a:avLst/>
+          </a:prstGeom>
+          <a:ln w="12700">
+            <a:solidFill>
+              <a:schemeClr val="accent6">
+                <a:lumMod val="50000"/>
+              </a:schemeClr>
+            </a:solidFill>
+            <a:prstDash val="dash"/>
+          </a:ln>
+        </p:spPr>
+        <p:style>
+          <a:lnRef idx="1">
+            <a:schemeClr val="accent1"/>
+          </a:lnRef>
+          <a:fillRef idx="0">
+            <a:schemeClr val="accent1"/>
+          </a:fillRef>
+          <a:effectRef idx="0">
+            <a:schemeClr val="accent1"/>
+          </a:effectRef>
+          <a:fontRef idx="minor">
+            <a:schemeClr val="tx1"/>
+          </a:fontRef>
+        </p:style>
+      </p:cxnSp>
+      <p:cxnSp>
+        <p:nvCxnSpPr>
+          <p:cNvPr id="74" name="Straight Connector 73">
+            <a:extLst>
+              <a:ext uri="{FF2B5EF4-FFF2-40B4-BE49-F238E27FC236}">
+                <a16:creationId xmlns:a16="http://schemas.microsoft.com/office/drawing/2014/main" id="{E777B643-6FF0-42DD-9EAD-79EA02C1882D}"/>
+              </a:ext>
+            </a:extLst>
+          </p:cNvPr>
+          <p:cNvCxnSpPr>
+            <a:cxnSpLocks/>
+          </p:cNvCxnSpPr>
+          <p:nvPr/>
+        </p:nvCxnSpPr>
+        <p:spPr>
+          <a:xfrm flipV="1">
+            <a:off x="3886489" y="2884282"/>
+            <a:ext cx="4826034" cy="2102298"/>
+          </a:xfrm>
+          <a:prstGeom prst="line">
+            <a:avLst/>
+          </a:prstGeom>
+          <a:ln w="12700">
+            <a:solidFill>
+              <a:schemeClr val="accent6">
+                <a:lumMod val="50000"/>
+              </a:schemeClr>
+            </a:solidFill>
+            <a:prstDash val="dash"/>
+          </a:ln>
+        </p:spPr>
+        <p:style>
+          <a:lnRef idx="1">
+            <a:schemeClr val="accent1"/>
+          </a:lnRef>
+          <a:fillRef idx="0">
+            <a:schemeClr val="accent1"/>
+          </a:fillRef>
+          <a:effectRef idx="0">
+            <a:schemeClr val="accent1"/>
+          </a:effectRef>
+          <a:fontRef idx="minor">
+            <a:schemeClr val="tx1"/>
+          </a:fontRef>
+        </p:style>
+      </p:cxnSp>
+      <p:cxnSp>
+        <p:nvCxnSpPr>
+          <p:cNvPr id="77" name="Straight Connector 76">
+            <a:extLst>
+              <a:ext uri="{FF2B5EF4-FFF2-40B4-BE49-F238E27FC236}">
+                <a16:creationId xmlns:a16="http://schemas.microsoft.com/office/drawing/2014/main" id="{BB9EE1AD-E852-40D5-BBF1-B25F4978FBE9}"/>
+              </a:ext>
+            </a:extLst>
+          </p:cNvPr>
+          <p:cNvCxnSpPr>
+            <a:cxnSpLocks/>
+          </p:cNvCxnSpPr>
+          <p:nvPr/>
+        </p:nvCxnSpPr>
+        <p:spPr>
+          <a:xfrm>
+            <a:off x="6467682" y="1105485"/>
+            <a:ext cx="1940106" cy="3590501"/>
+          </a:xfrm>
+          <a:prstGeom prst="line">
+            <a:avLst/>
+          </a:prstGeom>
+          <a:ln w="12700">
+            <a:solidFill>
+              <a:schemeClr val="accent6">
+                <a:lumMod val="50000"/>
+              </a:schemeClr>
+            </a:solidFill>
+            <a:prstDash val="dash"/>
+          </a:ln>
+        </p:spPr>
+        <p:style>
+          <a:lnRef idx="1">
+            <a:schemeClr val="accent1"/>
+          </a:lnRef>
+          <a:fillRef idx="0">
+            <a:schemeClr val="accent1"/>
+          </a:fillRef>
+          <a:effectRef idx="0">
+            <a:schemeClr val="accent1"/>
+          </a:effectRef>
+          <a:fontRef idx="minor">
+            <a:schemeClr val="tx1"/>
+          </a:fontRef>
+        </p:style>
+      </p:cxnSp>
+      <p:sp>
+        <p:nvSpPr>
+          <p:cNvPr id="72" name="Oval 71">
+            <a:extLst>
+              <a:ext uri="{FF2B5EF4-FFF2-40B4-BE49-F238E27FC236}">
+                <a16:creationId xmlns:a16="http://schemas.microsoft.com/office/drawing/2014/main" id="{F386922B-C17E-4E6A-89BB-C9C64FD4CF19}"/>
+              </a:ext>
+            </a:extLst>
+          </p:cNvPr>
+          <p:cNvSpPr/>
+          <p:nvPr/>
+        </p:nvSpPr>
+        <p:spPr>
+          <a:xfrm>
+            <a:off x="4235549" y="2767361"/>
+            <a:ext cx="293194" cy="293194"/>
+          </a:xfrm>
+          <a:prstGeom prst="ellipse">
+            <a:avLst/>
+          </a:prstGeom>
+          <a:solidFill>
+            <a:srgbClr val="E2F0D9">
+              <a:alpha val="50196"/>
+            </a:srgbClr>
+          </a:solidFill>
+          <a:ln>
+            <a:solidFill>
+              <a:schemeClr val="accent6">
+                <a:lumMod val="50000"/>
+              </a:schemeClr>
+            </a:solidFill>
+          </a:ln>
+        </p:spPr>
+        <p:style>
+          <a:lnRef idx="2">
+            <a:schemeClr val="accent6"/>
+          </a:lnRef>
+          <a:fillRef idx="1">
+            <a:schemeClr val="lt1"/>
+          </a:fillRef>
+          <a:effectRef idx="0">
+            <a:schemeClr val="accent6"/>
+          </a:effectRef>
+          <a:fontRef idx="minor">
+            <a:schemeClr val="dk1"/>
+          </a:fontRef>
+        </p:style>
+        <p:txBody>
+          <a:bodyPr rtlCol="0" anchor="ctr"/>
+          <a:lstStyle/>
+          <a:p>
+            <a:pPr algn="ctr"/>
+            <a:endParaRPr lang="en-US"/>
+          </a:p>
+        </p:txBody>
+      </p:sp>
+      <p:sp>
+        <p:nvSpPr>
+          <p:cNvPr id="82" name="Oval 81">
+            <a:extLst>
+              <a:ext uri="{FF2B5EF4-FFF2-40B4-BE49-F238E27FC236}">
+                <a16:creationId xmlns:a16="http://schemas.microsoft.com/office/drawing/2014/main" id="{FFCAB105-36BF-451A-A0C4-15AA20E92805}"/>
+              </a:ext>
+            </a:extLst>
+          </p:cNvPr>
+          <p:cNvSpPr/>
+          <p:nvPr/>
+        </p:nvSpPr>
+        <p:spPr>
+          <a:xfrm>
+            <a:off x="6650609" y="1580658"/>
+            <a:ext cx="293194" cy="293194"/>
+          </a:xfrm>
+          <a:prstGeom prst="ellipse">
+            <a:avLst/>
+          </a:prstGeom>
+          <a:solidFill>
+            <a:srgbClr val="E2F0D9">
+              <a:alpha val="50196"/>
+            </a:srgbClr>
+          </a:solidFill>
+          <a:ln>
+            <a:solidFill>
+              <a:schemeClr val="accent6">
+                <a:lumMod val="50000"/>
+              </a:schemeClr>
+            </a:solidFill>
+          </a:ln>
+        </p:spPr>
+        <p:style>
+          <a:lnRef idx="2">
+            <a:schemeClr val="accent6"/>
+          </a:lnRef>
+          <a:fillRef idx="1">
+            <a:schemeClr val="lt1"/>
+          </a:fillRef>
+          <a:effectRef idx="0">
+            <a:schemeClr val="accent6"/>
+          </a:effectRef>
+          <a:fontRef idx="minor">
+            <a:schemeClr val="dk1"/>
+          </a:fontRef>
+        </p:style>
+        <p:txBody>
+          <a:bodyPr rtlCol="0" anchor="ctr"/>
+          <a:lstStyle/>
+          <a:p>
+            <a:pPr algn="ctr"/>
+            <a:endParaRPr lang="en-US"/>
+          </a:p>
+        </p:txBody>
+      </p:sp>
+      <p:sp>
+        <p:nvSpPr>
+          <p:cNvPr id="83" name="Oval 82">
+            <a:extLst>
+              <a:ext uri="{FF2B5EF4-FFF2-40B4-BE49-F238E27FC236}">
+                <a16:creationId xmlns:a16="http://schemas.microsoft.com/office/drawing/2014/main" id="{B55B06AF-1754-40E2-93A0-D741CD52587F}"/>
+              </a:ext>
+            </a:extLst>
+          </p:cNvPr>
+          <p:cNvSpPr/>
+          <p:nvPr/>
+        </p:nvSpPr>
+        <p:spPr>
+          <a:xfrm>
+            <a:off x="4355020" y="4571682"/>
+            <a:ext cx="293194" cy="293194"/>
+          </a:xfrm>
+          <a:prstGeom prst="ellipse">
+            <a:avLst/>
+          </a:prstGeom>
+          <a:solidFill>
+            <a:srgbClr val="E2F0D9">
+              <a:alpha val="50196"/>
+            </a:srgbClr>
+          </a:solidFill>
+          <a:ln>
+            <a:solidFill>
+              <a:schemeClr val="accent6">
+                <a:lumMod val="50000"/>
+              </a:schemeClr>
+            </a:solidFill>
+          </a:ln>
+        </p:spPr>
+        <p:style>
+          <a:lnRef idx="2">
+            <a:schemeClr val="accent6"/>
+          </a:lnRef>
+          <a:fillRef idx="1">
+            <a:schemeClr val="lt1"/>
+          </a:fillRef>
+          <a:effectRef idx="0">
+            <a:schemeClr val="accent6"/>
+          </a:effectRef>
+          <a:fontRef idx="minor">
+            <a:schemeClr val="dk1"/>
+          </a:fontRef>
+        </p:style>
+        <p:txBody>
+          <a:bodyPr rtlCol="0" anchor="ctr"/>
+          <a:lstStyle/>
+          <a:p>
+            <a:pPr algn="ctr"/>
+            <a:endParaRPr lang="en-US" dirty="0"/>
+          </a:p>
+        </p:txBody>
+      </p:sp>
+      <p:sp>
+        <p:nvSpPr>
+          <p:cNvPr id="84" name="Oval 83">
+            <a:extLst>
+              <a:ext uri="{FF2B5EF4-FFF2-40B4-BE49-F238E27FC236}">
+                <a16:creationId xmlns:a16="http://schemas.microsoft.com/office/drawing/2014/main" id="{38CBE74B-6206-48C3-8724-10D0D169464E}"/>
+              </a:ext>
+            </a:extLst>
+          </p:cNvPr>
+          <p:cNvSpPr/>
+          <p:nvPr/>
+        </p:nvSpPr>
+        <p:spPr>
+          <a:xfrm>
+            <a:off x="7536129" y="3184412"/>
+            <a:ext cx="293194" cy="293194"/>
+          </a:xfrm>
+          <a:prstGeom prst="ellipse">
+            <a:avLst/>
+          </a:prstGeom>
+          <a:solidFill>
+            <a:srgbClr val="E2F0D9">
+              <a:alpha val="50196"/>
+            </a:srgbClr>
+          </a:solidFill>
+          <a:ln>
+            <a:solidFill>
+              <a:schemeClr val="accent6">
+                <a:lumMod val="50000"/>
+              </a:schemeClr>
+            </a:solidFill>
+          </a:ln>
+        </p:spPr>
+        <p:style>
+          <a:lnRef idx="2">
+            <a:schemeClr val="accent6"/>
+          </a:lnRef>
+          <a:fillRef idx="1">
+            <a:schemeClr val="lt1"/>
+          </a:fillRef>
+          <a:effectRef idx="0">
+            <a:schemeClr val="accent6"/>
+          </a:effectRef>
+          <a:fontRef idx="minor">
+            <a:schemeClr val="dk1"/>
+          </a:fontRef>
+        </p:style>
+        <p:txBody>
+          <a:bodyPr rtlCol="0" anchor="ctr"/>
+          <a:lstStyle/>
+          <a:p>
+            <a:pPr algn="ctr"/>
+            <a:endParaRPr lang="en-US"/>
+          </a:p>
+        </p:txBody>
+      </p:sp>
+      <p:cxnSp>
+        <p:nvCxnSpPr>
+          <p:cNvPr id="87" name="Straight Connector 86">
+            <a:extLst>
+              <a:ext uri="{FF2B5EF4-FFF2-40B4-BE49-F238E27FC236}">
+                <a16:creationId xmlns:a16="http://schemas.microsoft.com/office/drawing/2014/main" id="{8D7A65B4-966C-4714-872D-D1656DA37E6A}"/>
+              </a:ext>
+            </a:extLst>
+          </p:cNvPr>
+          <p:cNvCxnSpPr>
+            <a:cxnSpLocks/>
+            <a:endCxn id="11" idx="1"/>
+          </p:cNvCxnSpPr>
+          <p:nvPr/>
+        </p:nvCxnSpPr>
+        <p:spPr>
+          <a:xfrm>
+            <a:off x="2801319" y="1610264"/>
+            <a:ext cx="1416962" cy="1167327"/>
           </a:xfrm>
           <a:prstGeom prst="line">
             <a:avLst/>
@@ -4356,506 +6631,301 @@
           </a:fontRef>
         </p:style>
       </p:cxnSp>
-      <p:sp>
-        <p:nvSpPr>
-          <p:cNvPr id="81" name="Oval 80">
-            <a:extLst>
-              <a:ext uri="{FF2B5EF4-FFF2-40B4-BE49-F238E27FC236}">
-                <a16:creationId xmlns:a16="http://schemas.microsoft.com/office/drawing/2014/main" id="{C6C7C324-5386-4178-AC68-680710826380}"/>
-              </a:ext>
-            </a:extLst>
-          </p:cNvPr>
-          <p:cNvSpPr/>
+      <p:grpSp>
+        <p:nvGrpSpPr>
+          <p:cNvPr id="8" name="Group 7">
+            <a:extLst>
+              <a:ext uri="{FF2B5EF4-FFF2-40B4-BE49-F238E27FC236}">
+                <a16:creationId xmlns:a16="http://schemas.microsoft.com/office/drawing/2014/main" id="{890CE286-D8BA-4C46-BEE0-DFD387B80A80}"/>
+              </a:ext>
+            </a:extLst>
+          </p:cNvPr>
+          <p:cNvGrpSpPr/>
           <p:nvPr/>
-        </p:nvSpPr>
-        <p:spPr>
+        </p:nvGrpSpPr>
+        <p:grpSpPr>
           <a:xfrm>
-            <a:off x="2896880" y="2543174"/>
-            <a:ext cx="133350" cy="133350"/>
+            <a:off x="509125" y="1610264"/>
+            <a:ext cx="3822977" cy="1280324"/>
+            <a:chOff x="509125" y="1600923"/>
+            <a:chExt cx="3822977" cy="1289665"/>
           </a:xfrm>
-          <a:prstGeom prst="ellipse">
-            <a:avLst/>
-          </a:prstGeom>
-        </p:spPr>
-        <p:style>
-          <a:lnRef idx="2">
-            <a:schemeClr val="accent6"/>
-          </a:lnRef>
-          <a:fillRef idx="1">
-            <a:schemeClr val="lt1"/>
-          </a:fillRef>
-          <a:effectRef idx="0">
-            <a:schemeClr val="accent6"/>
-          </a:effectRef>
-          <a:fontRef idx="minor">
-            <a:schemeClr val="dk1"/>
-          </a:fontRef>
-        </p:style>
-        <p:txBody>
-          <a:bodyPr rtlCol="0" anchor="ctr"/>
-          <a:lstStyle/>
-          <a:p>
-            <a:pPr algn="ctr"/>
-            <a:endParaRPr lang="en-US"/>
-          </a:p>
-        </p:txBody>
-      </p:sp>
-      <p:sp>
-        <p:nvSpPr>
-          <p:cNvPr id="85" name="TextBox 84">
-            <a:extLst>
-              <a:ext uri="{FF2B5EF4-FFF2-40B4-BE49-F238E27FC236}">
-                <a16:creationId xmlns:a16="http://schemas.microsoft.com/office/drawing/2014/main" id="{98F83829-067B-43E4-B7EC-DB84EB932513}"/>
-              </a:ext>
-            </a:extLst>
-          </p:cNvPr>
-          <p:cNvSpPr txBox="1"/>
+        </p:grpSpPr>
+        <p:cxnSp>
+          <p:nvCxnSpPr>
+            <p:cNvPr id="5" name="Straight Connector 4">
+              <a:extLst>
+                <a:ext uri="{FF2B5EF4-FFF2-40B4-BE49-F238E27FC236}">
+                  <a16:creationId xmlns:a16="http://schemas.microsoft.com/office/drawing/2014/main" id="{137595DA-6D53-45A0-9254-830836053E7D}"/>
+                </a:ext>
+              </a:extLst>
+            </p:cNvPr>
+            <p:cNvCxnSpPr>
+              <a:cxnSpLocks/>
+            </p:cNvCxnSpPr>
+            <p:nvPr/>
+          </p:nvCxnSpPr>
+          <p:spPr>
+            <a:xfrm flipV="1">
+              <a:off x="509125" y="1600923"/>
+              <a:ext cx="2292194" cy="1"/>
+            </a:xfrm>
+            <a:prstGeom prst="line">
+              <a:avLst/>
+            </a:prstGeom>
+            <a:ln cap="rnd"/>
+          </p:spPr>
+          <p:style>
+            <a:lnRef idx="3">
+              <a:schemeClr val="accent6"/>
+            </a:lnRef>
+            <a:fillRef idx="0">
+              <a:schemeClr val="accent6"/>
+            </a:fillRef>
+            <a:effectRef idx="2">
+              <a:schemeClr val="accent6"/>
+            </a:effectRef>
+            <a:fontRef idx="minor">
+              <a:schemeClr val="tx1"/>
+            </a:fontRef>
+          </p:style>
+        </p:cxnSp>
+        <p:sp>
+          <p:nvSpPr>
+            <p:cNvPr id="11" name="Oval 10">
+              <a:extLst>
+                <a:ext uri="{FF2B5EF4-FFF2-40B4-BE49-F238E27FC236}">
+                  <a16:creationId xmlns:a16="http://schemas.microsoft.com/office/drawing/2014/main" id="{B8162159-F990-4B83-B1ED-B71983DC26AC}"/>
+                </a:ext>
+              </a:extLst>
+            </p:cNvPr>
+            <p:cNvSpPr/>
+            <p:nvPr/>
+          </p:nvSpPr>
+          <p:spPr>
+            <a:xfrm>
+              <a:off x="4198752" y="2757238"/>
+              <a:ext cx="133350" cy="133350"/>
+            </a:xfrm>
+            <a:prstGeom prst="ellipse">
+              <a:avLst/>
+            </a:prstGeom>
+            <a:solidFill>
+              <a:schemeClr val="bg1"/>
+            </a:solidFill>
+          </p:spPr>
+          <p:style>
+            <a:lnRef idx="2">
+              <a:schemeClr val="accent6"/>
+            </a:lnRef>
+            <a:fillRef idx="1">
+              <a:schemeClr val="lt1"/>
+            </a:fillRef>
+            <a:effectRef idx="0">
+              <a:schemeClr val="accent6"/>
+            </a:effectRef>
+            <a:fontRef idx="minor">
+              <a:schemeClr val="dk1"/>
+            </a:fontRef>
+          </p:style>
+          <p:txBody>
+            <a:bodyPr rtlCol="0" anchor="ctr"/>
+            <a:lstStyle/>
+            <a:p>
+              <a:pPr algn="ctr"/>
+              <a:endParaRPr lang="en-US"/>
+            </a:p>
+          </p:txBody>
+        </p:sp>
+      </p:grpSp>
+      <p:grpSp>
+        <p:nvGrpSpPr>
+          <p:cNvPr id="64" name="Group 63">
+            <a:extLst>
+              <a:ext uri="{FF2B5EF4-FFF2-40B4-BE49-F238E27FC236}">
+                <a16:creationId xmlns:a16="http://schemas.microsoft.com/office/drawing/2014/main" id="{E4BFB44A-722C-4AAC-B432-894F25E3055C}"/>
+              </a:ext>
+            </a:extLst>
+          </p:cNvPr>
+          <p:cNvGrpSpPr/>
           <p:nvPr/>
-        </p:nvSpPr>
-        <p:spPr>
+        </p:nvGrpSpPr>
+        <p:grpSpPr>
           <a:xfrm>
-            <a:off x="419486" y="2230991"/>
-            <a:ext cx="2075440" cy="369332"/>
+            <a:off x="356726" y="3660061"/>
+            <a:ext cx="4172161" cy="654942"/>
+            <a:chOff x="423401" y="1212539"/>
+            <a:chExt cx="4172161" cy="654942"/>
           </a:xfrm>
-          <a:prstGeom prst="rect">
-            <a:avLst/>
-          </a:prstGeom>
-          <a:noFill/>
-        </p:spPr>
-        <p:txBody>
-          <a:bodyPr wrap="none" rtlCol="0">
-            <a:spAutoFit/>
-          </a:bodyPr>
-          <a:lstStyle/>
-          <a:p>
-            <a:r>
-              <a:rPr lang="en-US" dirty="0">
-                <a:solidFill>
-                  <a:schemeClr val="accent6">
-                    <a:lumMod val="75000"/>
-                  </a:schemeClr>
-                </a:solidFill>
-              </a:rPr>
-              <a:t>Example with Water</a:t>
-            </a:r>
-          </a:p>
-        </p:txBody>
-      </p:sp>
-      <p:sp>
-        <p:nvSpPr>
-          <p:cNvPr id="86" name="TextBox 85">
-            <a:extLst>
-              <a:ext uri="{FF2B5EF4-FFF2-40B4-BE49-F238E27FC236}">
-                <a16:creationId xmlns:a16="http://schemas.microsoft.com/office/drawing/2014/main" id="{579F1A19-58C0-4AFB-89B5-1222410EC2F2}"/>
-              </a:ext>
-            </a:extLst>
-          </p:cNvPr>
-          <p:cNvSpPr txBox="1"/>
-          <p:nvPr/>
-        </p:nvSpPr>
-        <p:spPr>
-          <a:xfrm>
-            <a:off x="426632" y="2736522"/>
-            <a:ext cx="2547984" cy="1200329"/>
-          </a:xfrm>
-          <a:prstGeom prst="rect">
-            <a:avLst/>
-          </a:prstGeom>
-          <a:noFill/>
-        </p:spPr>
-        <p:txBody>
-          <a:bodyPr wrap="square" rtlCol="0">
-            <a:spAutoFit/>
-          </a:bodyPr>
-          <a:lstStyle/>
-          <a:p>
-            <a:r>
-              <a:rPr lang="en-US" dirty="0"/>
-              <a:t>A little more than a  tablespoon of water contains about a mole of water molecules.</a:t>
-            </a:r>
-          </a:p>
-        </p:txBody>
-      </p:sp>
-      <p:pic>
-        <p:nvPicPr>
-          <p:cNvPr id="7" name="Picture 6" descr="A portrait of a person&#10;&#10;Description automatically generated with medium confidence">
-            <a:extLst>
-              <a:ext uri="{FF2B5EF4-FFF2-40B4-BE49-F238E27FC236}">
-                <a16:creationId xmlns:a16="http://schemas.microsoft.com/office/drawing/2014/main" id="{B74258CD-21D9-49CC-B695-8EE487A69109}"/>
-              </a:ext>
-            </a:extLst>
-          </p:cNvPr>
-          <p:cNvPicPr>
-            <a:picLocks noChangeAspect="1"/>
-          </p:cNvPicPr>
-          <p:nvPr/>
-        </p:nvPicPr>
-        <p:blipFill>
-          <a:blip r:embed="rId4">
-            <a:extLst>
-              <a:ext uri="{28A0092B-C50C-407E-A947-70E740481C1C}">
-                <a14:useLocalDpi xmlns:a14="http://schemas.microsoft.com/office/drawing/2010/main" val="0"/>
-              </a:ext>
-            </a:extLst>
-          </a:blip>
-          <a:stretch>
-            <a:fillRect/>
-          </a:stretch>
-        </p:blipFill>
-        <p:spPr>
-          <a:xfrm>
-            <a:off x="8967515" y="1721928"/>
-            <a:ext cx="1538044" cy="1857716"/>
-          </a:xfrm>
-          <a:prstGeom prst="rect">
-            <a:avLst/>
-          </a:prstGeom>
-        </p:spPr>
-      </p:pic>
-      <p:sp>
-        <p:nvSpPr>
-          <p:cNvPr id="42" name="TextBox 41">
-            <a:extLst>
-              <a:ext uri="{FF2B5EF4-FFF2-40B4-BE49-F238E27FC236}">
-                <a16:creationId xmlns:a16="http://schemas.microsoft.com/office/drawing/2014/main" id="{F762B280-D951-4460-843E-DF32217B335D}"/>
-              </a:ext>
-            </a:extLst>
-          </p:cNvPr>
-          <p:cNvSpPr txBox="1"/>
-          <p:nvPr/>
-        </p:nvSpPr>
-        <p:spPr>
-          <a:xfrm>
-            <a:off x="285750" y="6072211"/>
-            <a:ext cx="10288575" cy="738664"/>
-          </a:xfrm>
-          <a:prstGeom prst="rect">
-            <a:avLst/>
-          </a:prstGeom>
-          <a:noFill/>
-        </p:spPr>
-        <p:txBody>
-          <a:bodyPr wrap="square">
-            <a:spAutoFit/>
-          </a:bodyPr>
-          <a:lstStyle/>
-          <a:p>
-            <a:r>
-              <a:rPr lang="en-US" sz="1400" dirty="0">
-                <a:solidFill>
-                  <a:schemeClr val="bg1">
-                    <a:lumMod val="50000"/>
-                  </a:schemeClr>
-                </a:solidFill>
-              </a:rPr>
-              <a:t>Portrait in Public Domain, tinyurl.com/</a:t>
-            </a:r>
-            <a:r>
-              <a:rPr lang="en-US" sz="1400" dirty="0" err="1">
-                <a:solidFill>
-                  <a:schemeClr val="bg1">
-                    <a:lumMod val="50000"/>
-                  </a:schemeClr>
-                </a:solidFill>
-              </a:rPr>
-              <a:t>wkcite?curid</a:t>
-            </a:r>
-            <a:r>
-              <a:rPr lang="en-US" sz="1400" dirty="0">
-                <a:solidFill>
-                  <a:schemeClr val="bg1">
-                    <a:lumMod val="50000"/>
-                  </a:schemeClr>
-                </a:solidFill>
-              </a:rPr>
-              <a:t>=8947961</a:t>
-            </a:r>
-          </a:p>
-          <a:p>
-            <a:r>
-              <a:rPr lang="en-US" sz="1400" dirty="0">
-                <a:solidFill>
-                  <a:schemeClr val="bg1">
-                    <a:lumMod val="50000"/>
-                  </a:schemeClr>
-                </a:solidFill>
-              </a:rPr>
-              <a:t>See Wikipedia’s page for Avogadro and </a:t>
-            </a:r>
-            <a:r>
-              <a:rPr lang="en-US" sz="1400" dirty="0" err="1">
-                <a:solidFill>
-                  <a:schemeClr val="bg1">
-                    <a:lumMod val="50000"/>
-                  </a:schemeClr>
-                </a:solidFill>
-              </a:rPr>
-              <a:t>Avodagro’s</a:t>
-            </a:r>
-            <a:r>
-              <a:rPr lang="en-US" sz="1400" dirty="0">
-                <a:solidFill>
-                  <a:schemeClr val="bg1">
-                    <a:lumMod val="50000"/>
-                  </a:schemeClr>
-                </a:solidFill>
-              </a:rPr>
-              <a:t> constant.</a:t>
-            </a:r>
-          </a:p>
-          <a:p>
-            <a:r>
-              <a:rPr lang="en-US" sz="1400" dirty="0">
-                <a:solidFill>
-                  <a:schemeClr val="bg1">
-                    <a:lumMod val="50000"/>
-                  </a:schemeClr>
-                </a:solidFill>
-              </a:rPr>
-              <a:t>Photo by </a:t>
-            </a:r>
-            <a:r>
-              <a:rPr lang="en-US" sz="1400" dirty="0" err="1">
-                <a:solidFill>
-                  <a:schemeClr val="bg1">
-                    <a:lumMod val="50000"/>
-                  </a:schemeClr>
-                </a:solidFill>
-              </a:rPr>
-              <a:t>zhang</a:t>
-            </a:r>
-            <a:r>
-              <a:rPr lang="en-US" sz="1400" dirty="0">
-                <a:solidFill>
-                  <a:schemeClr val="bg1">
-                    <a:lumMod val="50000"/>
-                  </a:schemeClr>
-                </a:solidFill>
-              </a:rPr>
-              <a:t> </a:t>
-            </a:r>
-            <a:r>
-              <a:rPr lang="en-US" sz="1400" dirty="0" err="1">
-                <a:solidFill>
-                  <a:schemeClr val="bg1">
-                    <a:lumMod val="50000"/>
-                  </a:schemeClr>
-                </a:solidFill>
-              </a:rPr>
-              <a:t>kaiyv</a:t>
-            </a:r>
-            <a:r>
-              <a:rPr lang="en-US" sz="1400" dirty="0">
-                <a:solidFill>
-                  <a:schemeClr val="bg1">
-                    <a:lumMod val="50000"/>
-                  </a:schemeClr>
-                </a:solidFill>
-              </a:rPr>
-              <a:t> from </a:t>
-            </a:r>
-            <a:r>
-              <a:rPr lang="en-US" sz="1400" dirty="0" err="1">
-                <a:solidFill>
-                  <a:schemeClr val="bg1">
-                    <a:lumMod val="50000"/>
-                  </a:schemeClr>
-                </a:solidFill>
-              </a:rPr>
-              <a:t>Pexels</a:t>
-            </a:r>
-            <a:r>
-              <a:rPr lang="en-US" sz="1400" dirty="0">
-                <a:solidFill>
-                  <a:schemeClr val="bg1">
-                    <a:lumMod val="50000"/>
-                  </a:schemeClr>
-                </a:solidFill>
-              </a:rPr>
-              <a:t>.</a:t>
-            </a:r>
-          </a:p>
-        </p:txBody>
-      </p:sp>
-      <p:sp>
-        <p:nvSpPr>
-          <p:cNvPr id="9" name="TextBox 8">
-            <a:extLst>
-              <a:ext uri="{FF2B5EF4-FFF2-40B4-BE49-F238E27FC236}">
-                <a16:creationId xmlns:a16="http://schemas.microsoft.com/office/drawing/2014/main" id="{D8BB7934-2920-4713-88FD-16635FF5EAE5}"/>
-              </a:ext>
-            </a:extLst>
-          </p:cNvPr>
-          <p:cNvSpPr txBox="1"/>
-          <p:nvPr/>
-        </p:nvSpPr>
-        <p:spPr>
-          <a:xfrm>
-            <a:off x="3367444" y="1779489"/>
-            <a:ext cx="4767948" cy="492443"/>
-          </a:xfrm>
-          <a:prstGeom prst="rect">
-            <a:avLst/>
-          </a:prstGeom>
-          <a:noFill/>
-        </p:spPr>
-        <p:txBody>
-          <a:bodyPr wrap="square" rtlCol="0">
-            <a:spAutoFit/>
-          </a:bodyPr>
-          <a:lstStyle/>
-          <a:p>
-            <a:r>
-              <a:rPr lang="en-US" sz="2600" dirty="0"/>
-              <a:t>602,214,076,000,000,000,000,000</a:t>
-            </a:r>
-          </a:p>
-        </p:txBody>
-      </p:sp>
-      <p:sp>
-        <p:nvSpPr>
-          <p:cNvPr id="44" name="TextBox 43">
-            <a:extLst>
-              <a:ext uri="{FF2B5EF4-FFF2-40B4-BE49-F238E27FC236}">
-                <a16:creationId xmlns:a16="http://schemas.microsoft.com/office/drawing/2014/main" id="{6F9E3E96-B80A-40BC-8F8C-C063311EAEEC}"/>
-              </a:ext>
-            </a:extLst>
-          </p:cNvPr>
-          <p:cNvSpPr txBox="1"/>
-          <p:nvPr/>
-        </p:nvSpPr>
-        <p:spPr>
-          <a:xfrm>
-            <a:off x="419486" y="1590487"/>
-            <a:ext cx="2547984" cy="646331"/>
-          </a:xfrm>
-          <a:prstGeom prst="rect">
-            <a:avLst/>
-          </a:prstGeom>
-          <a:noFill/>
-        </p:spPr>
-        <p:txBody>
-          <a:bodyPr wrap="square" rtlCol="0">
-            <a:spAutoFit/>
-          </a:bodyPr>
-          <a:lstStyle/>
-          <a:p>
-            <a:r>
-              <a:rPr lang="en-US" dirty="0"/>
-              <a:t>The number of particles in a mole.</a:t>
-            </a:r>
-          </a:p>
-        </p:txBody>
-      </p:sp>
-      <p:sp>
-        <p:nvSpPr>
-          <p:cNvPr id="45" name="TextBox 44">
-            <a:extLst>
-              <a:ext uri="{FF2B5EF4-FFF2-40B4-BE49-F238E27FC236}">
-                <a16:creationId xmlns:a16="http://schemas.microsoft.com/office/drawing/2014/main" id="{538858C8-5046-4339-82DC-077367604AE1}"/>
-              </a:ext>
-            </a:extLst>
-          </p:cNvPr>
-          <p:cNvSpPr txBox="1"/>
-          <p:nvPr/>
-        </p:nvSpPr>
-        <p:spPr>
-          <a:xfrm>
-            <a:off x="415116" y="4449733"/>
-            <a:ext cx="2547984" cy="1477328"/>
-          </a:xfrm>
-          <a:prstGeom prst="rect">
-            <a:avLst/>
-          </a:prstGeom>
-          <a:noFill/>
-        </p:spPr>
-        <p:txBody>
-          <a:bodyPr wrap="square" rtlCol="0">
-            <a:spAutoFit/>
-          </a:bodyPr>
-          <a:lstStyle/>
-          <a:p>
-            <a:r>
-              <a:rPr lang="en-US" dirty="0"/>
-              <a:t>18.0153 g = 1 mole water</a:t>
-            </a:r>
-          </a:p>
-          <a:p>
-            <a:r>
-              <a:rPr lang="en-US" dirty="0"/>
-              <a:t>~236 g/cup of water</a:t>
-            </a:r>
-          </a:p>
-          <a:p>
-            <a:r>
-              <a:rPr lang="en-US" dirty="0"/>
-              <a:t>236/13=18.15</a:t>
-            </a:r>
-          </a:p>
-          <a:p>
-            <a:r>
-              <a:rPr lang="en-US" dirty="0"/>
-              <a:t>1/13 cup=1.2 Tbsp</a:t>
-            </a:r>
-          </a:p>
-          <a:p>
-            <a:endParaRPr lang="en-US" dirty="0"/>
-          </a:p>
-        </p:txBody>
-      </p:sp>
-      <p:pic>
-        <p:nvPicPr>
-          <p:cNvPr id="13" name="Picture 12" descr="A close - up of a drop of water&#10;&#10;Description automatically generated with medium confidence">
-            <a:extLst>
-              <a:ext uri="{FF2B5EF4-FFF2-40B4-BE49-F238E27FC236}">
-                <a16:creationId xmlns:a16="http://schemas.microsoft.com/office/drawing/2014/main" id="{A147D458-2AF4-4D20-8ED6-8644DC355C33}"/>
-              </a:ext>
-            </a:extLst>
-          </p:cNvPr>
-          <p:cNvPicPr>
-            <a:picLocks noChangeAspect="1"/>
-          </p:cNvPicPr>
-          <p:nvPr/>
-        </p:nvPicPr>
-        <p:blipFill rotWithShape="1">
-          <a:blip r:embed="rId5">
-            <a:extLst>
-              <a:ext uri="{28A0092B-C50C-407E-A947-70E740481C1C}">
-                <a14:useLocalDpi xmlns:a14="http://schemas.microsoft.com/office/drawing/2010/main" val="0"/>
-              </a:ext>
-            </a:extLst>
-          </a:blip>
-          <a:srcRect l="2895" r="3196"/>
-          <a:stretch/>
-        </p:blipFill>
-        <p:spPr>
-          <a:xfrm>
-            <a:off x="3401023" y="2369429"/>
-            <a:ext cx="4700790" cy="3337126"/>
-          </a:xfrm>
-          <a:prstGeom prst="rect">
-            <a:avLst/>
-          </a:prstGeom>
-        </p:spPr>
-      </p:pic>
+        </p:grpSpPr>
+        <p:grpSp>
+          <p:nvGrpSpPr>
+            <p:cNvPr id="65" name="Group 64">
+              <a:extLst>
+                <a:ext uri="{FF2B5EF4-FFF2-40B4-BE49-F238E27FC236}">
+                  <a16:creationId xmlns:a16="http://schemas.microsoft.com/office/drawing/2014/main" id="{C821942C-7AF4-4BB7-8DB2-288FC427117C}"/>
+                </a:ext>
+              </a:extLst>
+            </p:cNvPr>
+            <p:cNvGrpSpPr/>
+            <p:nvPr/>
+          </p:nvGrpSpPr>
+          <p:grpSpPr>
+            <a:xfrm>
+              <a:off x="509125" y="1581871"/>
+              <a:ext cx="4086437" cy="285610"/>
+              <a:chOff x="509125" y="1581871"/>
+              <a:chExt cx="4086437" cy="285610"/>
+            </a:xfrm>
+          </p:grpSpPr>
+          <p:cxnSp>
+            <p:nvCxnSpPr>
+              <p:cNvPr id="67" name="Straight Connector 66">
+                <a:extLst>
+                  <a:ext uri="{FF2B5EF4-FFF2-40B4-BE49-F238E27FC236}">
+                    <a16:creationId xmlns:a16="http://schemas.microsoft.com/office/drawing/2014/main" id="{700000CB-F4CB-4B80-89E2-18D3670F6596}"/>
+                  </a:ext>
+                </a:extLst>
+              </p:cNvPr>
+              <p:cNvCxnSpPr>
+                <a:cxnSpLocks/>
+              </p:cNvCxnSpPr>
+              <p:nvPr/>
+            </p:nvCxnSpPr>
+            <p:spPr>
+              <a:xfrm flipV="1">
+                <a:off x="509125" y="1581871"/>
+                <a:ext cx="2398330" cy="19052"/>
+              </a:xfrm>
+              <a:prstGeom prst="line">
+                <a:avLst/>
+              </a:prstGeom>
+              <a:ln cap="rnd"/>
+            </p:spPr>
+            <p:style>
+              <a:lnRef idx="3">
+                <a:schemeClr val="accent6"/>
+              </a:lnRef>
+              <a:fillRef idx="0">
+                <a:schemeClr val="accent6"/>
+              </a:fillRef>
+              <a:effectRef idx="2">
+                <a:schemeClr val="accent6"/>
+              </a:effectRef>
+              <a:fontRef idx="minor">
+                <a:schemeClr val="tx1"/>
+              </a:fontRef>
+            </p:style>
+          </p:cxnSp>
+          <p:sp>
+            <p:nvSpPr>
+              <p:cNvPr id="68" name="Oval 67">
+                <a:extLst>
+                  <a:ext uri="{FF2B5EF4-FFF2-40B4-BE49-F238E27FC236}">
+                    <a16:creationId xmlns:a16="http://schemas.microsoft.com/office/drawing/2014/main" id="{FF4CE8A7-58A6-4961-854F-5095C86DA372}"/>
+                  </a:ext>
+                </a:extLst>
+              </p:cNvPr>
+              <p:cNvSpPr/>
+              <p:nvPr/>
+            </p:nvSpPr>
+            <p:spPr>
+              <a:xfrm>
+                <a:off x="4462212" y="1734131"/>
+                <a:ext cx="133350" cy="133350"/>
+              </a:xfrm>
+              <a:prstGeom prst="ellipse">
+                <a:avLst/>
+              </a:prstGeom>
+              <a:solidFill>
+                <a:schemeClr val="bg1"/>
+              </a:solidFill>
+            </p:spPr>
+            <p:style>
+              <a:lnRef idx="2">
+                <a:schemeClr val="accent6"/>
+              </a:lnRef>
+              <a:fillRef idx="1">
+                <a:schemeClr val="lt1"/>
+              </a:fillRef>
+              <a:effectRef idx="0">
+                <a:schemeClr val="accent6"/>
+              </a:effectRef>
+              <a:fontRef idx="minor">
+                <a:schemeClr val="dk1"/>
+              </a:fontRef>
+            </p:style>
+            <p:txBody>
+              <a:bodyPr rtlCol="0" anchor="ctr"/>
+              <a:lstStyle/>
+              <a:p>
+                <a:pPr algn="ctr"/>
+                <a:endParaRPr lang="en-US"/>
+              </a:p>
+            </p:txBody>
+          </p:sp>
+        </p:grpSp>
+        <p:sp>
+          <p:nvSpPr>
+            <p:cNvPr id="66" name="TextBox 65">
+              <a:extLst>
+                <a:ext uri="{FF2B5EF4-FFF2-40B4-BE49-F238E27FC236}">
+                  <a16:creationId xmlns:a16="http://schemas.microsoft.com/office/drawing/2014/main" id="{4DC76608-7AB6-4BCE-8705-E85BB825B109}"/>
+                </a:ext>
+              </a:extLst>
+            </p:cNvPr>
+            <p:cNvSpPr txBox="1"/>
+            <p:nvPr/>
+          </p:nvSpPr>
+          <p:spPr>
+            <a:xfrm>
+              <a:off x="423401" y="1212539"/>
+              <a:ext cx="1474571" cy="369332"/>
+            </a:xfrm>
+            <a:prstGeom prst="rect">
+              <a:avLst/>
+            </a:prstGeom>
+            <a:noFill/>
+          </p:spPr>
+          <p:txBody>
+            <a:bodyPr wrap="none" rtlCol="0">
+              <a:spAutoFit/>
+            </a:bodyPr>
+            <a:lstStyle/>
+            <a:p>
+              <a:r>
+                <a:rPr lang="en-US" dirty="0">
+                  <a:solidFill>
+                    <a:schemeClr val="accent6">
+                      <a:lumMod val="75000"/>
+                    </a:schemeClr>
+                  </a:solidFill>
+                </a:rPr>
+                <a:t>Line (or Edge)</a:t>
+              </a:r>
+            </a:p>
+          </p:txBody>
+        </p:sp>
+      </p:grpSp>
       <p:cxnSp>
         <p:nvCxnSpPr>
-          <p:cNvPr id="57" name="Straight Connector 56">
-            <a:extLst>
-              <a:ext uri="{FF2B5EF4-FFF2-40B4-BE49-F238E27FC236}">
-                <a16:creationId xmlns:a16="http://schemas.microsoft.com/office/drawing/2014/main" id="{71F7F08D-285B-496C-9394-3C2868F35A82}"/>
+          <p:cNvPr id="92" name="Straight Connector 91">
+            <a:extLst>
+              <a:ext uri="{FF2B5EF4-FFF2-40B4-BE49-F238E27FC236}">
+                <a16:creationId xmlns:a16="http://schemas.microsoft.com/office/drawing/2014/main" id="{3994ADBD-140F-4498-96E6-6043FFBDA9A6}"/>
               </a:ext>
             </a:extLst>
           </p:cNvPr>
           <p:cNvCxnSpPr>
             <a:cxnSpLocks/>
+            <a:endCxn id="68" idx="2"/>
           </p:cNvCxnSpPr>
           <p:nvPr/>
         </p:nvCxnSpPr>
         <p:spPr>
-          <a:xfrm flipV="1">
-            <a:off x="438080" y="4350368"/>
-            <a:ext cx="2398330" cy="19052"/>
+          <a:xfrm>
+            <a:off x="2840780" y="4029393"/>
+            <a:ext cx="1554757" cy="218935"/>
           </a:xfrm>
           <a:prstGeom prst="line">
             <a:avLst/>
@@ -4877,95 +6947,49 @@
           </a:fontRef>
         </p:style>
       </p:cxnSp>
-      <p:sp>
-        <p:nvSpPr>
-          <p:cNvPr id="58" name="Oval 57">
-            <a:extLst>
-              <a:ext uri="{FF2B5EF4-FFF2-40B4-BE49-F238E27FC236}">
-                <a16:creationId xmlns:a16="http://schemas.microsoft.com/office/drawing/2014/main" id="{BC277B97-8D5E-434E-971F-CEDD7FD8C85B}"/>
-              </a:ext>
-            </a:extLst>
-          </p:cNvPr>
-          <p:cNvSpPr/>
+      <p:cxnSp>
+        <p:nvCxnSpPr>
+          <p:cNvPr id="98" name="Straight Connector 97">
+            <a:extLst>
+              <a:ext uri="{FF2B5EF4-FFF2-40B4-BE49-F238E27FC236}">
+                <a16:creationId xmlns:a16="http://schemas.microsoft.com/office/drawing/2014/main" id="{5959D995-4167-42B8-AE14-28BE5ED92692}"/>
+              </a:ext>
+            </a:extLst>
+          </p:cNvPr>
+          <p:cNvCxnSpPr>
+            <a:cxnSpLocks/>
+          </p:cNvCxnSpPr>
           <p:nvPr/>
-        </p:nvSpPr>
+        </p:nvCxnSpPr>
         <p:spPr>
-          <a:xfrm>
-            <a:off x="2829750" y="4293219"/>
-            <a:ext cx="133350" cy="133350"/>
+          <a:xfrm flipV="1">
+            <a:off x="7176509" y="1559356"/>
+            <a:ext cx="2162245" cy="1416694"/>
           </a:xfrm>
-          <a:prstGeom prst="ellipse">
+          <a:prstGeom prst="line">
             <a:avLst/>
           </a:prstGeom>
+          <a:ln cap="rnd"/>
         </p:spPr>
         <p:style>
-          <a:lnRef idx="2">
+          <a:lnRef idx="3">
             <a:schemeClr val="accent6"/>
           </a:lnRef>
-          <a:fillRef idx="1">
-            <a:schemeClr val="lt1"/>
+          <a:fillRef idx="0">
+            <a:schemeClr val="accent6"/>
           </a:fillRef>
-          <a:effectRef idx="0">
+          <a:effectRef idx="2">
             <a:schemeClr val="accent6"/>
           </a:effectRef>
           <a:fontRef idx="minor">
-            <a:schemeClr val="dk1"/>
+            <a:schemeClr val="tx1"/>
           </a:fontRef>
         </p:style>
-        <p:txBody>
-          <a:bodyPr rtlCol="0" anchor="ctr"/>
-          <a:lstStyle/>
-          <a:p>
-            <a:pPr algn="ctr"/>
-            <a:endParaRPr lang="en-US"/>
-          </a:p>
-        </p:txBody>
-      </p:sp>
-      <p:sp>
-        <p:nvSpPr>
-          <p:cNvPr id="59" name="TextBox 58">
-            <a:extLst>
-              <a:ext uri="{FF2B5EF4-FFF2-40B4-BE49-F238E27FC236}">
-                <a16:creationId xmlns:a16="http://schemas.microsoft.com/office/drawing/2014/main" id="{A1D06D82-65DF-4A93-B2AF-929E116A5636}"/>
-              </a:ext>
-            </a:extLst>
-          </p:cNvPr>
-          <p:cNvSpPr txBox="1"/>
-          <p:nvPr/>
-        </p:nvSpPr>
-        <p:spPr>
-          <a:xfrm>
-            <a:off x="352356" y="3981036"/>
-            <a:ext cx="1158587" cy="369332"/>
-          </a:xfrm>
-          <a:prstGeom prst="rect">
-            <a:avLst/>
-          </a:prstGeom>
-          <a:noFill/>
-        </p:spPr>
-        <p:txBody>
-          <a:bodyPr wrap="none" rtlCol="0">
-            <a:spAutoFit/>
-          </a:bodyPr>
-          <a:lstStyle/>
-          <a:p>
-            <a:r>
-              <a:rPr lang="en-US" dirty="0">
-                <a:solidFill>
-                  <a:schemeClr val="accent6">
-                    <a:lumMod val="75000"/>
-                  </a:schemeClr>
-                </a:solidFill>
-              </a:rPr>
-              <a:t>Derivation</a:t>
-            </a:r>
-          </a:p>
-        </p:txBody>
-      </p:sp>
+      </p:cxnSp>
     </p:spTree>
     <p:extLst>
       <p:ext uri="{BB962C8B-B14F-4D97-AF65-F5344CB8AC3E}">
-        <p14:creationId xmlns:p14="http://schemas.microsoft.com/office/powerpoint/2010/main" val="1731150341"/>
+        <p14:creationId xmlns:p14="http://schemas.microsoft.com/office/powerpoint/2010/main" val="600019441"/>
       </p:ext>
     </p:extLst>
   </p:cSld>
@@ -4975,7 +6999,7 @@
 </p:sld>
 </file>
 
-<file path=ppt/slides/slide3.xml><?xml version="1.0" encoding="utf-8"?>
+<file path=ppt/slides/slide4.xml><?xml version="1.0" encoding="utf-8"?>
 <p:sld xmlns:a="http://schemas.openxmlformats.org/drawingml/2006/main" xmlns:r="http://schemas.openxmlformats.org/officeDocument/2006/relationships" xmlns:p="http://schemas.openxmlformats.org/presentationml/2006/main">
   <p:cSld>
     <p:spTree>
@@ -6907,7 +8931,7 @@
 </p:sld>
 </file>
 
-<file path=ppt/slides/slide4.xml><?xml version="1.0" encoding="utf-8"?>
+<file path=ppt/slides/slide5.xml><?xml version="1.0" encoding="utf-8"?>
 <p:sld xmlns:a="http://schemas.openxmlformats.org/drawingml/2006/main" xmlns:r="http://schemas.openxmlformats.org/officeDocument/2006/relationships" xmlns:p="http://schemas.openxmlformats.org/presentationml/2006/main">
   <p:cSld>
     <p:spTree>
@@ -7973,7 +9997,7 @@
 </p:sld>
 </file>
 
-<file path=ppt/slides/slide5.xml><?xml version="1.0" encoding="utf-8"?>
+<file path=ppt/slides/slide6.xml><?xml version="1.0" encoding="utf-8"?>
 <p:sld xmlns:a="http://schemas.openxmlformats.org/drawingml/2006/main" xmlns:r="http://schemas.openxmlformats.org/officeDocument/2006/relationships" xmlns:p="http://schemas.openxmlformats.org/presentationml/2006/main">
   <p:cSld>
     <p:spTree>
@@ -10075,7 +12099,7 @@
 </p:sld>
 </file>
 
-<file path=ppt/slides/slide6.xml><?xml version="1.0" encoding="utf-8"?>
+<file path=ppt/slides/slide7.xml><?xml version="1.0" encoding="utf-8"?>
 <p:sld xmlns:a="http://schemas.openxmlformats.org/drawingml/2006/main" xmlns:r="http://schemas.openxmlformats.org/officeDocument/2006/relationships" xmlns:p="http://schemas.openxmlformats.org/presentationml/2006/main">
   <p:cSld>
     <p:spTree>
@@ -13143,7 +15167,7 @@
 </p:sld>
 </file>
 
-<file path=ppt/slides/slide7.xml><?xml version="1.0" encoding="utf-8"?>
+<file path=ppt/slides/slide8.xml><?xml version="1.0" encoding="utf-8"?>
 <p:sld xmlns:a="http://schemas.openxmlformats.org/drawingml/2006/main" xmlns:r="http://schemas.openxmlformats.org/officeDocument/2006/relationships" xmlns:p="http://schemas.openxmlformats.org/presentationml/2006/main">
   <p:cSld>
     <p:spTree>
@@ -16456,7 +18480,7 @@
 </p:sld>
 </file>
 
-<file path=ppt/slides/slide8.xml><?xml version="1.0" encoding="utf-8"?>
+<file path=ppt/slides/slide9.xml><?xml version="1.0" encoding="utf-8"?>
 <p:sld xmlns:a="http://schemas.openxmlformats.org/drawingml/2006/main" xmlns:r="http://schemas.openxmlformats.org/officeDocument/2006/relationships" xmlns:p="http://schemas.openxmlformats.org/presentationml/2006/main">
   <p:cSld>
     <p:spTree>
